--- a/lectures/p-07-campbell-scores-v2.pptx
+++ b/lectures/p-07-campbell-scores-v2.pptx
@@ -18,8 +18,8 @@
     <p:sldId id="270" r:id="rId9"/>
     <p:sldId id="287" r:id="rId10"/>
     <p:sldId id="259" r:id="rId11"/>
-    <p:sldId id="288" r:id="rId12"/>
-    <p:sldId id="433" r:id="rId13"/>
+    <p:sldId id="433" r:id="rId12"/>
+    <p:sldId id="288" r:id="rId13"/>
     <p:sldId id="260" r:id="rId14"/>
     <p:sldId id="322" r:id="rId15"/>
     <p:sldId id="328" r:id="rId16"/>
@@ -473,7 +473,7 @@
           <a:p>
             <a:fld id="{125035CE-C779-4DB9-9BF0-1F3744DC56F3}" type="datetimeFigureOut">
               <a:rPr lang="en-US" smtClean="0"/>
-              <a:t>2/4/2020</a:t>
+              <a:t>5/25/2021</a:t>
             </a:fld>
             <a:endParaRPr lang="en-US"/>
           </a:p>
@@ -919,7 +919,7 @@
           <a:p>
             <a:fld id="{9AA5EA0D-0DFA-4FB3-91EC-F80588E7F6C0}" type="datetimeFigureOut">
               <a:rPr lang="en-US" smtClean="0"/>
-              <a:t>2/4/2020</a:t>
+              <a:t>5/25/2021</a:t>
             </a:fld>
             <a:endParaRPr lang="en-US"/>
           </a:p>
@@ -1087,7 +1087,7 @@
           <a:p>
             <a:fld id="{9AA5EA0D-0DFA-4FB3-91EC-F80588E7F6C0}" type="datetimeFigureOut">
               <a:rPr lang="en-US" smtClean="0"/>
-              <a:t>2/4/2020</a:t>
+              <a:t>5/25/2021</a:t>
             </a:fld>
             <a:endParaRPr lang="en-US"/>
           </a:p>
@@ -1265,7 +1265,7 @@
           <a:p>
             <a:fld id="{9AA5EA0D-0DFA-4FB3-91EC-F80588E7F6C0}" type="datetimeFigureOut">
               <a:rPr lang="en-US" smtClean="0"/>
-              <a:t>2/4/2020</a:t>
+              <a:t>5/25/2021</a:t>
             </a:fld>
             <a:endParaRPr lang="en-US"/>
           </a:p>
@@ -1433,7 +1433,7 @@
           <a:p>
             <a:fld id="{9AA5EA0D-0DFA-4FB3-91EC-F80588E7F6C0}" type="datetimeFigureOut">
               <a:rPr lang="en-US" smtClean="0"/>
-              <a:t>2/4/2020</a:t>
+              <a:t>5/25/2021</a:t>
             </a:fld>
             <a:endParaRPr lang="en-US"/>
           </a:p>
@@ -1678,7 +1678,7 @@
           <a:p>
             <a:fld id="{9AA5EA0D-0DFA-4FB3-91EC-F80588E7F6C0}" type="datetimeFigureOut">
               <a:rPr lang="en-US" smtClean="0"/>
-              <a:t>2/4/2020</a:t>
+              <a:t>5/25/2021</a:t>
             </a:fld>
             <a:endParaRPr lang="en-US"/>
           </a:p>
@@ -1963,7 +1963,7 @@
           <a:p>
             <a:fld id="{9AA5EA0D-0DFA-4FB3-91EC-F80588E7F6C0}" type="datetimeFigureOut">
               <a:rPr lang="en-US" smtClean="0"/>
-              <a:t>2/4/2020</a:t>
+              <a:t>5/25/2021</a:t>
             </a:fld>
             <a:endParaRPr lang="en-US"/>
           </a:p>
@@ -2382,7 +2382,7 @@
           <a:p>
             <a:fld id="{9AA5EA0D-0DFA-4FB3-91EC-F80588E7F6C0}" type="datetimeFigureOut">
               <a:rPr lang="en-US" smtClean="0"/>
-              <a:t>2/4/2020</a:t>
+              <a:t>5/25/2021</a:t>
             </a:fld>
             <a:endParaRPr lang="en-US"/>
           </a:p>
@@ -2499,7 +2499,7 @@
           <a:p>
             <a:fld id="{9AA5EA0D-0DFA-4FB3-91EC-F80588E7F6C0}" type="datetimeFigureOut">
               <a:rPr lang="en-US" smtClean="0"/>
-              <a:t>2/4/2020</a:t>
+              <a:t>5/25/2021</a:t>
             </a:fld>
             <a:endParaRPr lang="en-US"/>
           </a:p>
@@ -2594,7 +2594,7 @@
           <a:p>
             <a:fld id="{9AA5EA0D-0DFA-4FB3-91EC-F80588E7F6C0}" type="datetimeFigureOut">
               <a:rPr lang="en-US" smtClean="0"/>
-              <a:t>2/4/2020</a:t>
+              <a:t>5/25/2021</a:t>
             </a:fld>
             <a:endParaRPr lang="en-US"/>
           </a:p>
@@ -2869,7 +2869,7 @@
           <a:p>
             <a:fld id="{9AA5EA0D-0DFA-4FB3-91EC-F80588E7F6C0}" type="datetimeFigureOut">
               <a:rPr lang="en-US" smtClean="0"/>
-              <a:t>2/4/2020</a:t>
+              <a:t>5/25/2021</a:t>
             </a:fld>
             <a:endParaRPr lang="en-US"/>
           </a:p>
@@ -3121,7 +3121,7 @@
           <a:p>
             <a:fld id="{9AA5EA0D-0DFA-4FB3-91EC-F80588E7F6C0}" type="datetimeFigureOut">
               <a:rPr lang="en-US" smtClean="0"/>
-              <a:t>2/4/2020</a:t>
+              <a:t>5/25/2021</a:t>
             </a:fld>
             <a:endParaRPr lang="en-US"/>
           </a:p>
@@ -3332,7 +3332,7 @@
           <a:p>
             <a:fld id="{9AA5EA0D-0DFA-4FB3-91EC-F80588E7F6C0}" type="datetimeFigureOut">
               <a:rPr lang="en-US" smtClean="0"/>
-              <a:t>2/4/2020</a:t>
+              <a:t>5/25/2021</a:t>
             </a:fld>
             <a:endParaRPr lang="en-US"/>
           </a:p>
@@ -4392,6 +4392,1380 @@
       </p:grpSpPr>
       <p:sp>
         <p:nvSpPr>
+          <p:cNvPr id="4" name="TextBox 3">
+            <a:extLst>
+              <a:ext uri="{FF2B5EF4-FFF2-40B4-BE49-F238E27FC236}">
+                <a16:creationId xmlns:a16="http://schemas.microsoft.com/office/drawing/2014/main" id="{9F39865F-EB07-4D64-BC93-AFB2092778C2}"/>
+              </a:ext>
+            </a:extLst>
+          </p:cNvPr>
+          <p:cNvSpPr txBox="1"/>
+          <p:nvPr/>
+        </p:nvSpPr>
+        <p:spPr>
+          <a:xfrm>
+            <a:off x="1329132" y="170895"/>
+            <a:ext cx="542136" cy="523220"/>
+          </a:xfrm>
+          <a:prstGeom prst="rect">
+            <a:avLst/>
+          </a:prstGeom>
+          <a:noFill/>
+        </p:spPr>
+        <p:txBody>
+          <a:bodyPr wrap="none" rtlCol="0">
+            <a:spAutoFit/>
+          </a:bodyPr>
+          <a:lstStyle/>
+          <a:p>
+            <a:r>
+              <a:rPr lang="en-US" sz="2800" dirty="0"/>
+              <a:t>T1</a:t>
+            </a:r>
+          </a:p>
+        </p:txBody>
+      </p:sp>
+      <p:sp>
+        <p:nvSpPr>
+          <p:cNvPr id="5" name="TextBox 4">
+            <a:extLst>
+              <a:ext uri="{FF2B5EF4-FFF2-40B4-BE49-F238E27FC236}">
+                <a16:creationId xmlns:a16="http://schemas.microsoft.com/office/drawing/2014/main" id="{0886EF73-DCC2-49E0-874B-68750453FD20}"/>
+              </a:ext>
+            </a:extLst>
+          </p:cNvPr>
+          <p:cNvSpPr txBox="1"/>
+          <p:nvPr/>
+        </p:nvSpPr>
+        <p:spPr>
+          <a:xfrm>
+            <a:off x="2898458" y="170895"/>
+            <a:ext cx="558166" cy="523220"/>
+          </a:xfrm>
+          <a:prstGeom prst="rect">
+            <a:avLst/>
+          </a:prstGeom>
+          <a:noFill/>
+        </p:spPr>
+        <p:txBody>
+          <a:bodyPr wrap="none" rtlCol="0">
+            <a:spAutoFit/>
+          </a:bodyPr>
+          <a:lstStyle/>
+          <a:p>
+            <a:r>
+              <a:rPr lang="en-US" sz="2800" dirty="0"/>
+              <a:t>C1</a:t>
+            </a:r>
+          </a:p>
+        </p:txBody>
+      </p:sp>
+      <p:sp>
+        <p:nvSpPr>
+          <p:cNvPr id="6" name="TextBox 5">
+            <a:extLst>
+              <a:ext uri="{FF2B5EF4-FFF2-40B4-BE49-F238E27FC236}">
+                <a16:creationId xmlns:a16="http://schemas.microsoft.com/office/drawing/2014/main" id="{D238CA62-B0BF-484B-A2EA-EC14B66D01E0}"/>
+              </a:ext>
+            </a:extLst>
+          </p:cNvPr>
+          <p:cNvSpPr txBox="1"/>
+          <p:nvPr/>
+        </p:nvSpPr>
+        <p:spPr>
+          <a:xfrm>
+            <a:off x="3886200" y="836556"/>
+            <a:ext cx="1903084" cy="954107"/>
+          </a:xfrm>
+          <a:prstGeom prst="rect">
+            <a:avLst/>
+          </a:prstGeom>
+          <a:noFill/>
+        </p:spPr>
+        <p:txBody>
+          <a:bodyPr wrap="square" rtlCol="0">
+            <a:spAutoFit/>
+          </a:bodyPr>
+          <a:lstStyle/>
+          <a:p>
+            <a:pPr algn="ctr"/>
+            <a:r>
+              <a:rPr lang="en-US" sz="1400" dirty="0"/>
+              <a:t>Population characteristics equivalent</a:t>
+            </a:r>
+          </a:p>
+          <a:p>
+            <a:pPr algn="ctr"/>
+            <a:r>
+              <a:rPr lang="en-US" sz="1400" dirty="0"/>
+              <a:t>on all contrasts</a:t>
+            </a:r>
+          </a:p>
+        </p:txBody>
+      </p:sp>
+      <p:sp>
+        <p:nvSpPr>
+          <p:cNvPr id="7" name="Oval 6">
+            <a:extLst>
+              <a:ext uri="{FF2B5EF4-FFF2-40B4-BE49-F238E27FC236}">
+                <a16:creationId xmlns:a16="http://schemas.microsoft.com/office/drawing/2014/main" id="{D6D045F2-95D5-4D2E-AC35-3E054A307844}"/>
+              </a:ext>
+            </a:extLst>
+          </p:cNvPr>
+          <p:cNvSpPr/>
+          <p:nvPr/>
+        </p:nvSpPr>
+        <p:spPr>
+          <a:xfrm>
+            <a:off x="740092" y="2738345"/>
+            <a:ext cx="1466850" cy="1255820"/>
+          </a:xfrm>
+          <a:prstGeom prst="ellipse">
+            <a:avLst/>
+          </a:prstGeom>
+        </p:spPr>
+        <p:style>
+          <a:lnRef idx="2">
+            <a:schemeClr val="accent1">
+              <a:shade val="50000"/>
+            </a:schemeClr>
+          </a:lnRef>
+          <a:fillRef idx="1">
+            <a:schemeClr val="accent1"/>
+          </a:fillRef>
+          <a:effectRef idx="0">
+            <a:schemeClr val="accent1"/>
+          </a:effectRef>
+          <a:fontRef idx="minor">
+            <a:schemeClr val="lt1"/>
+          </a:fontRef>
+        </p:style>
+        <p:txBody>
+          <a:bodyPr rtlCol="0" anchor="ctr"/>
+          <a:lstStyle/>
+          <a:p>
+            <a:pPr algn="ctr"/>
+            <a:endParaRPr lang="en-US"/>
+          </a:p>
+        </p:txBody>
+      </p:sp>
+      <p:sp>
+        <p:nvSpPr>
+          <p:cNvPr id="9" name="Oval 8">
+            <a:extLst>
+              <a:ext uri="{FF2B5EF4-FFF2-40B4-BE49-F238E27FC236}">
+                <a16:creationId xmlns:a16="http://schemas.microsoft.com/office/drawing/2014/main" id="{402AB78B-0612-49DC-8757-81A11331FB88}"/>
+              </a:ext>
+            </a:extLst>
+          </p:cNvPr>
+          <p:cNvSpPr/>
+          <p:nvPr/>
+        </p:nvSpPr>
+        <p:spPr>
+          <a:xfrm>
+            <a:off x="2348883" y="2748055"/>
+            <a:ext cx="1466850" cy="1255820"/>
+          </a:xfrm>
+          <a:prstGeom prst="ellipse">
+            <a:avLst/>
+          </a:prstGeom>
+          <a:ln>
+            <a:solidFill>
+              <a:srgbClr val="385D8A"/>
+            </a:solidFill>
+          </a:ln>
+        </p:spPr>
+        <p:style>
+          <a:lnRef idx="2">
+            <a:schemeClr val="accent1">
+              <a:shade val="50000"/>
+            </a:schemeClr>
+          </a:lnRef>
+          <a:fillRef idx="1">
+            <a:schemeClr val="accent1"/>
+          </a:fillRef>
+          <a:effectRef idx="0">
+            <a:schemeClr val="accent1"/>
+          </a:effectRef>
+          <a:fontRef idx="minor">
+            <a:schemeClr val="lt1"/>
+          </a:fontRef>
+        </p:style>
+        <p:txBody>
+          <a:bodyPr rtlCol="0" anchor="ctr"/>
+          <a:lstStyle/>
+          <a:p>
+            <a:pPr algn="ctr"/>
+            <a:endParaRPr lang="en-US"/>
+          </a:p>
+        </p:txBody>
+      </p:sp>
+      <p:sp>
+        <p:nvSpPr>
+          <p:cNvPr id="10" name="Oval 9">
+            <a:extLst>
+              <a:ext uri="{FF2B5EF4-FFF2-40B4-BE49-F238E27FC236}">
+                <a16:creationId xmlns:a16="http://schemas.microsoft.com/office/drawing/2014/main" id="{A78DBB58-4280-4215-B122-03B642A15B6E}"/>
+              </a:ext>
+            </a:extLst>
+          </p:cNvPr>
+          <p:cNvSpPr/>
+          <p:nvPr/>
+        </p:nvSpPr>
+        <p:spPr>
+          <a:xfrm>
+            <a:off x="822008" y="694115"/>
+            <a:ext cx="1466850" cy="1255820"/>
+          </a:xfrm>
+          <a:prstGeom prst="ellipse">
+            <a:avLst/>
+          </a:prstGeom>
+        </p:spPr>
+        <p:style>
+          <a:lnRef idx="2">
+            <a:schemeClr val="accent1">
+              <a:shade val="50000"/>
+            </a:schemeClr>
+          </a:lnRef>
+          <a:fillRef idx="1">
+            <a:schemeClr val="accent1"/>
+          </a:fillRef>
+          <a:effectRef idx="0">
+            <a:schemeClr val="accent1"/>
+          </a:effectRef>
+          <a:fontRef idx="minor">
+            <a:schemeClr val="lt1"/>
+          </a:fontRef>
+        </p:style>
+        <p:txBody>
+          <a:bodyPr rtlCol="0" anchor="ctr"/>
+          <a:lstStyle/>
+          <a:p>
+            <a:pPr algn="ctr"/>
+            <a:endParaRPr lang="en-US"/>
+          </a:p>
+        </p:txBody>
+      </p:sp>
+      <p:sp>
+        <p:nvSpPr>
+          <p:cNvPr id="11" name="Oval 10">
+            <a:extLst>
+              <a:ext uri="{FF2B5EF4-FFF2-40B4-BE49-F238E27FC236}">
+                <a16:creationId xmlns:a16="http://schemas.microsoft.com/office/drawing/2014/main" id="{77DB19C3-8CEC-4603-99A3-C3037FC288FB}"/>
+              </a:ext>
+            </a:extLst>
+          </p:cNvPr>
+          <p:cNvSpPr/>
+          <p:nvPr/>
+        </p:nvSpPr>
+        <p:spPr>
+          <a:xfrm>
+            <a:off x="2387917" y="694115"/>
+            <a:ext cx="1466850" cy="1255820"/>
+          </a:xfrm>
+          <a:prstGeom prst="ellipse">
+            <a:avLst/>
+          </a:prstGeom>
+        </p:spPr>
+        <p:style>
+          <a:lnRef idx="2">
+            <a:schemeClr val="accent1">
+              <a:shade val="50000"/>
+            </a:schemeClr>
+          </a:lnRef>
+          <a:fillRef idx="1">
+            <a:schemeClr val="accent1"/>
+          </a:fillRef>
+          <a:effectRef idx="0">
+            <a:schemeClr val="accent1"/>
+          </a:effectRef>
+          <a:fontRef idx="minor">
+            <a:schemeClr val="lt1"/>
+          </a:fontRef>
+        </p:style>
+        <p:txBody>
+          <a:bodyPr rtlCol="0" anchor="ctr"/>
+          <a:lstStyle/>
+          <a:p>
+            <a:pPr algn="ctr"/>
+            <a:endParaRPr lang="en-US"/>
+          </a:p>
+        </p:txBody>
+      </p:sp>
+      <p:sp>
+        <p:nvSpPr>
+          <p:cNvPr id="12" name="Oval 11">
+            <a:extLst>
+              <a:ext uri="{FF2B5EF4-FFF2-40B4-BE49-F238E27FC236}">
+                <a16:creationId xmlns:a16="http://schemas.microsoft.com/office/drawing/2014/main" id="{0318D2D5-BD03-4691-98E9-3A141DBBEA8E}"/>
+              </a:ext>
+            </a:extLst>
+          </p:cNvPr>
+          <p:cNvSpPr/>
+          <p:nvPr/>
+        </p:nvSpPr>
+        <p:spPr>
+          <a:xfrm>
+            <a:off x="740092" y="4109945"/>
+            <a:ext cx="1466850" cy="1255820"/>
+          </a:xfrm>
+          <a:prstGeom prst="ellipse">
+            <a:avLst/>
+          </a:prstGeom>
+        </p:spPr>
+        <p:style>
+          <a:lnRef idx="2">
+            <a:schemeClr val="accent1">
+              <a:shade val="50000"/>
+            </a:schemeClr>
+          </a:lnRef>
+          <a:fillRef idx="1">
+            <a:schemeClr val="accent1"/>
+          </a:fillRef>
+          <a:effectRef idx="0">
+            <a:schemeClr val="accent1"/>
+          </a:effectRef>
+          <a:fontRef idx="minor">
+            <a:schemeClr val="lt1"/>
+          </a:fontRef>
+        </p:style>
+        <p:txBody>
+          <a:bodyPr rtlCol="0" anchor="ctr"/>
+          <a:lstStyle/>
+          <a:p>
+            <a:pPr algn="ctr"/>
+            <a:endParaRPr lang="en-US"/>
+          </a:p>
+        </p:txBody>
+      </p:sp>
+      <p:sp>
+        <p:nvSpPr>
+          <p:cNvPr id="13" name="Oval 12">
+            <a:extLst>
+              <a:ext uri="{FF2B5EF4-FFF2-40B4-BE49-F238E27FC236}">
+                <a16:creationId xmlns:a16="http://schemas.microsoft.com/office/drawing/2014/main" id="{6CE8594E-5EC8-47EC-BA35-1B925AAC8C30}"/>
+              </a:ext>
+            </a:extLst>
+          </p:cNvPr>
+          <p:cNvSpPr/>
+          <p:nvPr/>
+        </p:nvSpPr>
+        <p:spPr>
+          <a:xfrm>
+            <a:off x="2444116" y="4109945"/>
+            <a:ext cx="1466850" cy="1255820"/>
+          </a:xfrm>
+          <a:prstGeom prst="ellipse">
+            <a:avLst/>
+          </a:prstGeom>
+        </p:spPr>
+        <p:style>
+          <a:lnRef idx="2">
+            <a:schemeClr val="accent1">
+              <a:shade val="50000"/>
+            </a:schemeClr>
+          </a:lnRef>
+          <a:fillRef idx="1">
+            <a:schemeClr val="accent1"/>
+          </a:fillRef>
+          <a:effectRef idx="0">
+            <a:schemeClr val="accent1"/>
+          </a:effectRef>
+          <a:fontRef idx="minor">
+            <a:schemeClr val="lt1"/>
+          </a:fontRef>
+        </p:style>
+        <p:txBody>
+          <a:bodyPr rtlCol="0" anchor="ctr"/>
+          <a:lstStyle/>
+          <a:p>
+            <a:pPr algn="ctr"/>
+            <a:endParaRPr lang="en-US"/>
+          </a:p>
+        </p:txBody>
+      </p:sp>
+      <p:sp>
+        <p:nvSpPr>
+          <p:cNvPr id="14" name="Oval 13">
+            <a:extLst>
+              <a:ext uri="{FF2B5EF4-FFF2-40B4-BE49-F238E27FC236}">
+                <a16:creationId xmlns:a16="http://schemas.microsoft.com/office/drawing/2014/main" id="{AEA3B4F6-BEF7-46EA-B9DB-B2F4E69EA9C6}"/>
+              </a:ext>
+            </a:extLst>
+          </p:cNvPr>
+          <p:cNvSpPr/>
+          <p:nvPr/>
+        </p:nvSpPr>
+        <p:spPr>
+          <a:xfrm>
+            <a:off x="740092" y="5481545"/>
+            <a:ext cx="1466850" cy="1255820"/>
+          </a:xfrm>
+          <a:prstGeom prst="ellipse">
+            <a:avLst/>
+          </a:prstGeom>
+        </p:spPr>
+        <p:style>
+          <a:lnRef idx="2">
+            <a:schemeClr val="accent1">
+              <a:shade val="50000"/>
+            </a:schemeClr>
+          </a:lnRef>
+          <a:fillRef idx="1">
+            <a:schemeClr val="accent1"/>
+          </a:fillRef>
+          <a:effectRef idx="0">
+            <a:schemeClr val="accent1"/>
+          </a:effectRef>
+          <a:fontRef idx="minor">
+            <a:schemeClr val="lt1"/>
+          </a:fontRef>
+        </p:style>
+        <p:txBody>
+          <a:bodyPr rtlCol="0" anchor="ctr"/>
+          <a:lstStyle/>
+          <a:p>
+            <a:pPr algn="ctr"/>
+            <a:endParaRPr lang="en-US"/>
+          </a:p>
+        </p:txBody>
+      </p:sp>
+      <p:sp>
+        <p:nvSpPr>
+          <p:cNvPr id="15" name="Oval 14">
+            <a:extLst>
+              <a:ext uri="{FF2B5EF4-FFF2-40B4-BE49-F238E27FC236}">
+                <a16:creationId xmlns:a16="http://schemas.microsoft.com/office/drawing/2014/main" id="{2C66CF0B-7497-4074-BB0D-0A43098270D3}"/>
+              </a:ext>
+            </a:extLst>
+          </p:cNvPr>
+          <p:cNvSpPr/>
+          <p:nvPr/>
+        </p:nvSpPr>
+        <p:spPr>
+          <a:xfrm>
+            <a:off x="2444116" y="5481545"/>
+            <a:ext cx="1466850" cy="1255820"/>
+          </a:xfrm>
+          <a:prstGeom prst="ellipse">
+            <a:avLst/>
+          </a:prstGeom>
+        </p:spPr>
+        <p:style>
+          <a:lnRef idx="2">
+            <a:schemeClr val="accent1">
+              <a:shade val="50000"/>
+            </a:schemeClr>
+          </a:lnRef>
+          <a:fillRef idx="1">
+            <a:schemeClr val="accent1"/>
+          </a:fillRef>
+          <a:effectRef idx="0">
+            <a:schemeClr val="accent1"/>
+          </a:effectRef>
+          <a:fontRef idx="minor">
+            <a:schemeClr val="lt1"/>
+          </a:fontRef>
+        </p:style>
+        <p:txBody>
+          <a:bodyPr rtlCol="0" anchor="ctr"/>
+          <a:lstStyle/>
+          <a:p>
+            <a:pPr algn="ctr"/>
+            <a:endParaRPr lang="en-US"/>
+          </a:p>
+        </p:txBody>
+      </p:sp>
+      <p:sp>
+        <p:nvSpPr>
+          <p:cNvPr id="16" name="TextBox 15">
+            <a:extLst>
+              <a:ext uri="{FF2B5EF4-FFF2-40B4-BE49-F238E27FC236}">
+                <a16:creationId xmlns:a16="http://schemas.microsoft.com/office/drawing/2014/main" id="{D01419DD-81C5-4F59-B63A-D95B2A7116D3}"/>
+              </a:ext>
+            </a:extLst>
+          </p:cNvPr>
+          <p:cNvSpPr txBox="1"/>
+          <p:nvPr/>
+        </p:nvSpPr>
+        <p:spPr>
+          <a:xfrm>
+            <a:off x="1202449" y="2241805"/>
+            <a:ext cx="542136" cy="523220"/>
+          </a:xfrm>
+          <a:prstGeom prst="rect">
+            <a:avLst/>
+          </a:prstGeom>
+          <a:noFill/>
+        </p:spPr>
+        <p:txBody>
+          <a:bodyPr wrap="none" rtlCol="0">
+            <a:spAutoFit/>
+          </a:bodyPr>
+          <a:lstStyle/>
+          <a:p>
+            <a:r>
+              <a:rPr lang="en-US" sz="2800" dirty="0"/>
+              <a:t>T2</a:t>
+            </a:r>
+          </a:p>
+        </p:txBody>
+      </p:sp>
+      <p:sp>
+        <p:nvSpPr>
+          <p:cNvPr id="17" name="TextBox 16">
+            <a:extLst>
+              <a:ext uri="{FF2B5EF4-FFF2-40B4-BE49-F238E27FC236}">
+                <a16:creationId xmlns:a16="http://schemas.microsoft.com/office/drawing/2014/main" id="{48264D0B-CF3B-405E-91FA-BBD4CDC58260}"/>
+              </a:ext>
+            </a:extLst>
+          </p:cNvPr>
+          <p:cNvSpPr txBox="1"/>
+          <p:nvPr/>
+        </p:nvSpPr>
+        <p:spPr>
+          <a:xfrm>
+            <a:off x="2803225" y="2241805"/>
+            <a:ext cx="558166" cy="523220"/>
+          </a:xfrm>
+          <a:prstGeom prst="rect">
+            <a:avLst/>
+          </a:prstGeom>
+          <a:noFill/>
+        </p:spPr>
+        <p:txBody>
+          <a:bodyPr wrap="none" rtlCol="0">
+            <a:spAutoFit/>
+          </a:bodyPr>
+          <a:lstStyle/>
+          <a:p>
+            <a:r>
+              <a:rPr lang="en-US" sz="2800" dirty="0"/>
+              <a:t>C2</a:t>
+            </a:r>
+          </a:p>
+        </p:txBody>
+      </p:sp>
+      <p:sp>
+        <p:nvSpPr>
+          <p:cNvPr id="18" name="Oval 17">
+            <a:extLst>
+              <a:ext uri="{FF2B5EF4-FFF2-40B4-BE49-F238E27FC236}">
+                <a16:creationId xmlns:a16="http://schemas.microsoft.com/office/drawing/2014/main" id="{73365B8C-453A-4BB8-A7FD-21486216DA1E}"/>
+              </a:ext>
+            </a:extLst>
+          </p:cNvPr>
+          <p:cNvSpPr/>
+          <p:nvPr/>
+        </p:nvSpPr>
+        <p:spPr>
+          <a:xfrm>
+            <a:off x="1016317" y="4275443"/>
+            <a:ext cx="914400" cy="914400"/>
+          </a:xfrm>
+          <a:prstGeom prst="ellipse">
+            <a:avLst/>
+          </a:prstGeom>
+          <a:solidFill>
+            <a:schemeClr val="bg1"/>
+          </a:solidFill>
+          <a:ln>
+            <a:solidFill>
+              <a:srgbClr val="4F81BD"/>
+            </a:solidFill>
+          </a:ln>
+        </p:spPr>
+        <p:style>
+          <a:lnRef idx="2">
+            <a:schemeClr val="accent1">
+              <a:shade val="50000"/>
+            </a:schemeClr>
+          </a:lnRef>
+          <a:fillRef idx="1">
+            <a:schemeClr val="accent1"/>
+          </a:fillRef>
+          <a:effectRef idx="0">
+            <a:schemeClr val="accent1"/>
+          </a:effectRef>
+          <a:fontRef idx="minor">
+            <a:schemeClr val="lt1"/>
+          </a:fontRef>
+        </p:style>
+        <p:txBody>
+          <a:bodyPr rtlCol="0" anchor="ctr"/>
+          <a:lstStyle/>
+          <a:p>
+            <a:pPr algn="ctr"/>
+            <a:endParaRPr lang="en-US"/>
+          </a:p>
+        </p:txBody>
+      </p:sp>
+      <p:sp>
+        <p:nvSpPr>
+          <p:cNvPr id="19" name="Oval 18">
+            <a:extLst>
+              <a:ext uri="{FF2B5EF4-FFF2-40B4-BE49-F238E27FC236}">
+                <a16:creationId xmlns:a16="http://schemas.microsoft.com/office/drawing/2014/main" id="{AF94995D-1368-4CFE-8F71-CC4D1DE42A52}"/>
+              </a:ext>
+            </a:extLst>
+          </p:cNvPr>
+          <p:cNvSpPr/>
+          <p:nvPr/>
+        </p:nvSpPr>
+        <p:spPr>
+          <a:xfrm>
+            <a:off x="3025616" y="4546442"/>
+            <a:ext cx="355283" cy="337805"/>
+          </a:xfrm>
+          <a:prstGeom prst="ellipse">
+            <a:avLst/>
+          </a:prstGeom>
+          <a:solidFill>
+            <a:schemeClr val="bg1"/>
+          </a:solidFill>
+          <a:ln>
+            <a:solidFill>
+              <a:srgbClr val="4F81BD"/>
+            </a:solidFill>
+          </a:ln>
+        </p:spPr>
+        <p:style>
+          <a:lnRef idx="2">
+            <a:schemeClr val="accent1">
+              <a:shade val="50000"/>
+            </a:schemeClr>
+          </a:lnRef>
+          <a:fillRef idx="1">
+            <a:schemeClr val="accent1"/>
+          </a:fillRef>
+          <a:effectRef idx="0">
+            <a:schemeClr val="accent1"/>
+          </a:effectRef>
+          <a:fontRef idx="minor">
+            <a:schemeClr val="lt1"/>
+          </a:fontRef>
+        </p:style>
+        <p:txBody>
+          <a:bodyPr rtlCol="0" anchor="ctr"/>
+          <a:lstStyle/>
+          <a:p>
+            <a:pPr algn="ctr"/>
+            <a:endParaRPr lang="en-US"/>
+          </a:p>
+        </p:txBody>
+      </p:sp>
+      <p:sp>
+        <p:nvSpPr>
+          <p:cNvPr id="20" name="Oval 19">
+            <a:extLst>
+              <a:ext uri="{FF2B5EF4-FFF2-40B4-BE49-F238E27FC236}">
+                <a16:creationId xmlns:a16="http://schemas.microsoft.com/office/drawing/2014/main" id="{D2ACA5A9-AEBE-4FE3-BD2B-4724557221AC}"/>
+              </a:ext>
+            </a:extLst>
+          </p:cNvPr>
+          <p:cNvSpPr/>
+          <p:nvPr/>
+        </p:nvSpPr>
+        <p:spPr>
+          <a:xfrm>
+            <a:off x="2803225" y="3082637"/>
+            <a:ext cx="609600" cy="533400"/>
+          </a:xfrm>
+          <a:prstGeom prst="ellipse">
+            <a:avLst/>
+          </a:prstGeom>
+          <a:solidFill>
+            <a:schemeClr val="bg1"/>
+          </a:solidFill>
+          <a:ln>
+            <a:solidFill>
+              <a:srgbClr val="4F81BD"/>
+            </a:solidFill>
+          </a:ln>
+        </p:spPr>
+        <p:style>
+          <a:lnRef idx="2">
+            <a:schemeClr val="accent1">
+              <a:shade val="50000"/>
+            </a:schemeClr>
+          </a:lnRef>
+          <a:fillRef idx="1">
+            <a:schemeClr val="accent1"/>
+          </a:fillRef>
+          <a:effectRef idx="0">
+            <a:schemeClr val="accent1"/>
+          </a:effectRef>
+          <a:fontRef idx="minor">
+            <a:schemeClr val="lt1"/>
+          </a:fontRef>
+        </p:style>
+        <p:txBody>
+          <a:bodyPr rtlCol="0" anchor="ctr"/>
+          <a:lstStyle/>
+          <a:p>
+            <a:pPr algn="ctr"/>
+            <a:endParaRPr lang="en-US"/>
+          </a:p>
+        </p:txBody>
+      </p:sp>
+      <p:sp>
+        <p:nvSpPr>
+          <p:cNvPr id="23" name="TextBox 22">
+            <a:extLst>
+              <a:ext uri="{FF2B5EF4-FFF2-40B4-BE49-F238E27FC236}">
+                <a16:creationId xmlns:a16="http://schemas.microsoft.com/office/drawing/2014/main" id="{CBA36AC2-6E11-4ADA-8EBB-F00D50EF5206}"/>
+              </a:ext>
+            </a:extLst>
+          </p:cNvPr>
+          <p:cNvSpPr txBox="1"/>
+          <p:nvPr/>
+        </p:nvSpPr>
+        <p:spPr>
+          <a:xfrm>
+            <a:off x="4420031" y="2401098"/>
+            <a:ext cx="4349139" cy="400110"/>
+          </a:xfrm>
+          <a:prstGeom prst="rect">
+            <a:avLst/>
+          </a:prstGeom>
+          <a:noFill/>
+        </p:spPr>
+        <p:txBody>
+          <a:bodyPr wrap="none" rtlCol="0">
+            <a:spAutoFit/>
+          </a:bodyPr>
+          <a:lstStyle/>
+          <a:p>
+            <a:r>
+              <a:rPr lang="en-US" sz="2000" dirty="0"/>
+              <a:t>Example Nonrandom Attrition Problems</a:t>
+            </a:r>
+          </a:p>
+        </p:txBody>
+      </p:sp>
+      <p:sp>
+        <p:nvSpPr>
+          <p:cNvPr id="24" name="TextBox 23">
+            <a:extLst>
+              <a:ext uri="{FF2B5EF4-FFF2-40B4-BE49-F238E27FC236}">
+                <a16:creationId xmlns:a16="http://schemas.microsoft.com/office/drawing/2014/main" id="{1D64013D-999F-4F5B-81D1-8FD6DD138EC3}"/>
+              </a:ext>
+            </a:extLst>
+          </p:cNvPr>
+          <p:cNvSpPr txBox="1"/>
+          <p:nvPr/>
+        </p:nvSpPr>
+        <p:spPr>
+          <a:xfrm>
+            <a:off x="6222124" y="170895"/>
+            <a:ext cx="542136" cy="523220"/>
+          </a:xfrm>
+          <a:prstGeom prst="rect">
+            <a:avLst/>
+          </a:prstGeom>
+          <a:noFill/>
+        </p:spPr>
+        <p:txBody>
+          <a:bodyPr wrap="none" rtlCol="0">
+            <a:spAutoFit/>
+          </a:bodyPr>
+          <a:lstStyle/>
+          <a:p>
+            <a:r>
+              <a:rPr lang="en-US" sz="2800" dirty="0"/>
+              <a:t>T2</a:t>
+            </a:r>
+          </a:p>
+        </p:txBody>
+      </p:sp>
+      <p:sp>
+        <p:nvSpPr>
+          <p:cNvPr id="25" name="TextBox 24">
+            <a:extLst>
+              <a:ext uri="{FF2B5EF4-FFF2-40B4-BE49-F238E27FC236}">
+                <a16:creationId xmlns:a16="http://schemas.microsoft.com/office/drawing/2014/main" id="{5063755A-F99C-4107-95A9-F220F73643DE}"/>
+              </a:ext>
+            </a:extLst>
+          </p:cNvPr>
+          <p:cNvSpPr txBox="1"/>
+          <p:nvPr/>
+        </p:nvSpPr>
+        <p:spPr>
+          <a:xfrm>
+            <a:off x="7791450" y="170895"/>
+            <a:ext cx="558166" cy="523220"/>
+          </a:xfrm>
+          <a:prstGeom prst="rect">
+            <a:avLst/>
+          </a:prstGeom>
+          <a:noFill/>
+        </p:spPr>
+        <p:txBody>
+          <a:bodyPr wrap="none" rtlCol="0">
+            <a:spAutoFit/>
+          </a:bodyPr>
+          <a:lstStyle/>
+          <a:p>
+            <a:r>
+              <a:rPr lang="en-US" sz="2800" dirty="0"/>
+              <a:t>C2</a:t>
+            </a:r>
+          </a:p>
+        </p:txBody>
+      </p:sp>
+      <p:sp>
+        <p:nvSpPr>
+          <p:cNvPr id="26" name="Oval 25">
+            <a:extLst>
+              <a:ext uri="{FF2B5EF4-FFF2-40B4-BE49-F238E27FC236}">
+                <a16:creationId xmlns:a16="http://schemas.microsoft.com/office/drawing/2014/main" id="{12AC26DE-EBB2-410F-BA12-3536E274B15F}"/>
+              </a:ext>
+            </a:extLst>
+          </p:cNvPr>
+          <p:cNvSpPr/>
+          <p:nvPr/>
+        </p:nvSpPr>
+        <p:spPr>
+          <a:xfrm>
+            <a:off x="5715000" y="694115"/>
+            <a:ext cx="1466850" cy="1255820"/>
+          </a:xfrm>
+          <a:prstGeom prst="ellipse">
+            <a:avLst/>
+          </a:prstGeom>
+        </p:spPr>
+        <p:style>
+          <a:lnRef idx="2">
+            <a:schemeClr val="accent1">
+              <a:shade val="50000"/>
+            </a:schemeClr>
+          </a:lnRef>
+          <a:fillRef idx="1">
+            <a:schemeClr val="accent1"/>
+          </a:fillRef>
+          <a:effectRef idx="0">
+            <a:schemeClr val="accent1"/>
+          </a:effectRef>
+          <a:fontRef idx="minor">
+            <a:schemeClr val="lt1"/>
+          </a:fontRef>
+        </p:style>
+        <p:txBody>
+          <a:bodyPr rtlCol="0" anchor="ctr"/>
+          <a:lstStyle/>
+          <a:p>
+            <a:pPr algn="ctr"/>
+            <a:endParaRPr lang="en-US"/>
+          </a:p>
+        </p:txBody>
+      </p:sp>
+      <p:sp>
+        <p:nvSpPr>
+          <p:cNvPr id="27" name="Oval 26">
+            <a:extLst>
+              <a:ext uri="{FF2B5EF4-FFF2-40B4-BE49-F238E27FC236}">
+                <a16:creationId xmlns:a16="http://schemas.microsoft.com/office/drawing/2014/main" id="{9C47C28F-B064-4573-8867-5669E31359F5}"/>
+              </a:ext>
+            </a:extLst>
+          </p:cNvPr>
+          <p:cNvSpPr/>
+          <p:nvPr/>
+        </p:nvSpPr>
+        <p:spPr>
+          <a:xfrm>
+            <a:off x="7280909" y="694115"/>
+            <a:ext cx="1466850" cy="1255820"/>
+          </a:xfrm>
+          <a:prstGeom prst="ellipse">
+            <a:avLst/>
+          </a:prstGeom>
+        </p:spPr>
+        <p:style>
+          <a:lnRef idx="2">
+            <a:schemeClr val="accent1">
+              <a:shade val="50000"/>
+            </a:schemeClr>
+          </a:lnRef>
+          <a:fillRef idx="1">
+            <a:schemeClr val="accent1"/>
+          </a:fillRef>
+          <a:effectRef idx="0">
+            <a:schemeClr val="accent1"/>
+          </a:effectRef>
+          <a:fontRef idx="minor">
+            <a:schemeClr val="lt1"/>
+          </a:fontRef>
+        </p:style>
+        <p:txBody>
+          <a:bodyPr rtlCol="0" anchor="ctr"/>
+          <a:lstStyle/>
+          <a:p>
+            <a:pPr algn="ctr"/>
+            <a:endParaRPr lang="en-US"/>
+          </a:p>
+        </p:txBody>
+      </p:sp>
+      <p:cxnSp>
+        <p:nvCxnSpPr>
+          <p:cNvPr id="29" name="Straight Arrow Connector 28">
+            <a:extLst>
+              <a:ext uri="{FF2B5EF4-FFF2-40B4-BE49-F238E27FC236}">
+                <a16:creationId xmlns:a16="http://schemas.microsoft.com/office/drawing/2014/main" id="{2CEB4890-593A-4FED-A774-472CA502105F}"/>
+              </a:ext>
+            </a:extLst>
+          </p:cNvPr>
+          <p:cNvCxnSpPr>
+            <a:cxnSpLocks/>
+          </p:cNvCxnSpPr>
+          <p:nvPr/>
+        </p:nvCxnSpPr>
+        <p:spPr>
+          <a:xfrm flipH="1">
+            <a:off x="3973009" y="990600"/>
+            <a:ext cx="321429" cy="0"/>
+          </a:xfrm>
+          <a:prstGeom prst="straightConnector1">
+            <a:avLst/>
+          </a:prstGeom>
+          <a:ln w="34925">
+            <a:tailEnd type="triangle"/>
+          </a:ln>
+        </p:spPr>
+        <p:style>
+          <a:lnRef idx="1">
+            <a:schemeClr val="accent1"/>
+          </a:lnRef>
+          <a:fillRef idx="0">
+            <a:schemeClr val="accent1"/>
+          </a:fillRef>
+          <a:effectRef idx="0">
+            <a:schemeClr val="accent1"/>
+          </a:effectRef>
+          <a:fontRef idx="minor">
+            <a:schemeClr val="tx1"/>
+          </a:fontRef>
+        </p:style>
+      </p:cxnSp>
+      <p:cxnSp>
+        <p:nvCxnSpPr>
+          <p:cNvPr id="31" name="Straight Arrow Connector 30">
+            <a:extLst>
+              <a:ext uri="{FF2B5EF4-FFF2-40B4-BE49-F238E27FC236}">
+                <a16:creationId xmlns:a16="http://schemas.microsoft.com/office/drawing/2014/main" id="{A5FC82E2-3FB9-4EA4-B946-8F0B8B26915D}"/>
+              </a:ext>
+            </a:extLst>
+          </p:cNvPr>
+          <p:cNvCxnSpPr>
+            <a:cxnSpLocks/>
+          </p:cNvCxnSpPr>
+          <p:nvPr/>
+        </p:nvCxnSpPr>
+        <p:spPr>
+          <a:xfrm>
+            <a:off x="5353487" y="990600"/>
+            <a:ext cx="380999" cy="0"/>
+          </a:xfrm>
+          <a:prstGeom prst="straightConnector1">
+            <a:avLst/>
+          </a:prstGeom>
+          <a:ln w="34925">
+            <a:tailEnd type="triangle"/>
+          </a:ln>
+        </p:spPr>
+        <p:style>
+          <a:lnRef idx="1">
+            <a:schemeClr val="accent1"/>
+          </a:lnRef>
+          <a:fillRef idx="0">
+            <a:schemeClr val="accent1"/>
+          </a:fillRef>
+          <a:effectRef idx="0">
+            <a:schemeClr val="accent1"/>
+          </a:effectRef>
+          <a:fontRef idx="minor">
+            <a:schemeClr val="tx1"/>
+          </a:fontRef>
+        </p:style>
+      </p:cxnSp>
+      <p:sp>
+        <p:nvSpPr>
+          <p:cNvPr id="33" name="Oval 32">
+            <a:extLst>
+              <a:ext uri="{FF2B5EF4-FFF2-40B4-BE49-F238E27FC236}">
+                <a16:creationId xmlns:a16="http://schemas.microsoft.com/office/drawing/2014/main" id="{F5944775-4C89-4B8A-B2EB-961822A9BF01}"/>
+              </a:ext>
+            </a:extLst>
+          </p:cNvPr>
+          <p:cNvSpPr/>
+          <p:nvPr/>
+        </p:nvSpPr>
+        <p:spPr>
+          <a:xfrm>
+            <a:off x="6246748" y="1127835"/>
+            <a:ext cx="355283" cy="337805"/>
+          </a:xfrm>
+          <a:prstGeom prst="ellipse">
+            <a:avLst/>
+          </a:prstGeom>
+          <a:solidFill>
+            <a:schemeClr val="bg1"/>
+          </a:solidFill>
+          <a:ln>
+            <a:solidFill>
+              <a:srgbClr val="4F81BD"/>
+            </a:solidFill>
+          </a:ln>
+        </p:spPr>
+        <p:style>
+          <a:lnRef idx="2">
+            <a:schemeClr val="accent1">
+              <a:shade val="50000"/>
+            </a:schemeClr>
+          </a:lnRef>
+          <a:fillRef idx="1">
+            <a:schemeClr val="accent1"/>
+          </a:fillRef>
+          <a:effectRef idx="0">
+            <a:schemeClr val="accent1"/>
+          </a:effectRef>
+          <a:fontRef idx="minor">
+            <a:schemeClr val="lt1"/>
+          </a:fontRef>
+        </p:style>
+        <p:txBody>
+          <a:bodyPr rtlCol="0" anchor="ctr"/>
+          <a:lstStyle/>
+          <a:p>
+            <a:pPr algn="ctr"/>
+            <a:endParaRPr lang="en-US"/>
+          </a:p>
+        </p:txBody>
+      </p:sp>
+      <p:sp>
+        <p:nvSpPr>
+          <p:cNvPr id="34" name="Oval 33">
+            <a:extLst>
+              <a:ext uri="{FF2B5EF4-FFF2-40B4-BE49-F238E27FC236}">
+                <a16:creationId xmlns:a16="http://schemas.microsoft.com/office/drawing/2014/main" id="{904FD76B-238E-4CA9-8598-6AF8133A1C51}"/>
+              </a:ext>
+            </a:extLst>
+          </p:cNvPr>
+          <p:cNvSpPr/>
+          <p:nvPr/>
+        </p:nvSpPr>
+        <p:spPr>
+          <a:xfrm>
+            <a:off x="7836692" y="1127549"/>
+            <a:ext cx="355283" cy="337805"/>
+          </a:xfrm>
+          <a:prstGeom prst="ellipse">
+            <a:avLst/>
+          </a:prstGeom>
+          <a:solidFill>
+            <a:schemeClr val="bg1"/>
+          </a:solidFill>
+          <a:ln>
+            <a:solidFill>
+              <a:srgbClr val="4F81BD"/>
+            </a:solidFill>
+          </a:ln>
+        </p:spPr>
+        <p:style>
+          <a:lnRef idx="2">
+            <a:schemeClr val="accent1">
+              <a:shade val="50000"/>
+            </a:schemeClr>
+          </a:lnRef>
+          <a:fillRef idx="1">
+            <a:schemeClr val="accent1"/>
+          </a:fillRef>
+          <a:effectRef idx="0">
+            <a:schemeClr val="accent1"/>
+          </a:effectRef>
+          <a:fontRef idx="minor">
+            <a:schemeClr val="lt1"/>
+          </a:fontRef>
+        </p:style>
+        <p:txBody>
+          <a:bodyPr rtlCol="0" anchor="ctr"/>
+          <a:lstStyle/>
+          <a:p>
+            <a:pPr algn="ctr"/>
+            <a:endParaRPr lang="en-US"/>
+          </a:p>
+        </p:txBody>
+      </p:sp>
+      <p:sp>
+        <p:nvSpPr>
+          <p:cNvPr id="35" name="TextBox 34">
+            <a:extLst>
+              <a:ext uri="{FF2B5EF4-FFF2-40B4-BE49-F238E27FC236}">
+                <a16:creationId xmlns:a16="http://schemas.microsoft.com/office/drawing/2014/main" id="{826427E7-57D7-4706-B836-6D4485485A9B}"/>
+              </a:ext>
+            </a:extLst>
+          </p:cNvPr>
+          <p:cNvSpPr txBox="1"/>
+          <p:nvPr/>
+        </p:nvSpPr>
+        <p:spPr>
+          <a:xfrm>
+            <a:off x="6769390" y="69078"/>
+            <a:ext cx="1023037" cy="646331"/>
+          </a:xfrm>
+          <a:prstGeom prst="rect">
+            <a:avLst/>
+          </a:prstGeom>
+          <a:noFill/>
+        </p:spPr>
+        <p:txBody>
+          <a:bodyPr wrap="none" rtlCol="0">
+            <a:spAutoFit/>
+          </a:bodyPr>
+          <a:lstStyle/>
+          <a:p>
+            <a:r>
+              <a:rPr lang="en-US" dirty="0"/>
+              <a:t>Random </a:t>
+            </a:r>
+          </a:p>
+          <a:p>
+            <a:r>
+              <a:rPr lang="en-US" dirty="0"/>
+              <a:t>Attrition</a:t>
+            </a:r>
+          </a:p>
+        </p:txBody>
+      </p:sp>
+      <p:sp>
+        <p:nvSpPr>
+          <p:cNvPr id="36" name="TextBox 35">
+            <a:extLst>
+              <a:ext uri="{FF2B5EF4-FFF2-40B4-BE49-F238E27FC236}">
+                <a16:creationId xmlns:a16="http://schemas.microsoft.com/office/drawing/2014/main" id="{BE0CD08F-80FB-41AD-B1B9-CD5D70B860C9}"/>
+              </a:ext>
+            </a:extLst>
+          </p:cNvPr>
+          <p:cNvSpPr txBox="1"/>
+          <p:nvPr/>
+        </p:nvSpPr>
+        <p:spPr>
+          <a:xfrm>
+            <a:off x="4657665" y="3085054"/>
+            <a:ext cx="4060502" cy="3323987"/>
+          </a:xfrm>
+          <a:prstGeom prst="rect">
+            <a:avLst/>
+          </a:prstGeom>
+          <a:noFill/>
+        </p:spPr>
+        <p:txBody>
+          <a:bodyPr wrap="square" rtlCol="0">
+            <a:spAutoFit/>
+          </a:bodyPr>
+          <a:lstStyle/>
+          <a:p>
+            <a:pPr algn="ctr"/>
+            <a:r>
+              <a:rPr lang="en-US" sz="1400" dirty="0"/>
+              <a:t>Attrition in one group but not another</a:t>
+            </a:r>
+          </a:p>
+          <a:p>
+            <a:pPr algn="ctr"/>
+            <a:endParaRPr lang="en-US" sz="1400" dirty="0"/>
+          </a:p>
+          <a:p>
+            <a:pPr algn="ctr"/>
+            <a:endParaRPr lang="en-US" sz="1400" dirty="0"/>
+          </a:p>
+          <a:p>
+            <a:pPr algn="ctr"/>
+            <a:endParaRPr lang="en-US" sz="1400" dirty="0"/>
+          </a:p>
+          <a:p>
+            <a:pPr algn="ctr"/>
+            <a:endParaRPr lang="en-US" sz="1400" dirty="0"/>
+          </a:p>
+          <a:p>
+            <a:pPr algn="ctr"/>
+            <a:endParaRPr lang="en-US" sz="1400" dirty="0"/>
+          </a:p>
+          <a:p>
+            <a:pPr algn="ctr"/>
+            <a:r>
+              <a:rPr lang="en-US" sz="1400" dirty="0"/>
+              <a:t>Different rates of attrition</a:t>
+            </a:r>
+          </a:p>
+          <a:p>
+            <a:pPr algn="ctr"/>
+            <a:endParaRPr lang="en-US" sz="1400" dirty="0"/>
+          </a:p>
+          <a:p>
+            <a:pPr algn="ctr"/>
+            <a:endParaRPr lang="en-US" sz="1400" dirty="0"/>
+          </a:p>
+          <a:p>
+            <a:pPr algn="ctr"/>
+            <a:endParaRPr lang="en-US" sz="1400" dirty="0"/>
+          </a:p>
+          <a:p>
+            <a:pPr algn="ctr"/>
+            <a:endParaRPr lang="en-US" sz="1400" dirty="0"/>
+          </a:p>
+          <a:p>
+            <a:pPr algn="ctr"/>
+            <a:endParaRPr lang="en-US" sz="1400" dirty="0"/>
+          </a:p>
+          <a:p>
+            <a:pPr algn="ctr"/>
+            <a:r>
+              <a:rPr lang="en-US" sz="1400" dirty="0"/>
+              <a:t>Attrition from different parts of the distribution (all high performers from one group, all low performers from another)</a:t>
+            </a:r>
+          </a:p>
+        </p:txBody>
+      </p:sp>
+      <p:sp>
+        <p:nvSpPr>
+          <p:cNvPr id="32" name="Oval 31">
+            <a:extLst>
+              <a:ext uri="{FF2B5EF4-FFF2-40B4-BE49-F238E27FC236}">
+                <a16:creationId xmlns:a16="http://schemas.microsoft.com/office/drawing/2014/main" id="{2FF07AFB-E457-4414-B64B-06409CF11978}"/>
+              </a:ext>
+            </a:extLst>
+          </p:cNvPr>
+          <p:cNvSpPr/>
+          <p:nvPr/>
+        </p:nvSpPr>
+        <p:spPr>
+          <a:xfrm>
+            <a:off x="1295875" y="5514836"/>
+            <a:ext cx="355283" cy="337805"/>
+          </a:xfrm>
+          <a:prstGeom prst="ellipse">
+            <a:avLst/>
+          </a:prstGeom>
+          <a:solidFill>
+            <a:schemeClr val="bg1"/>
+          </a:solidFill>
+          <a:ln>
+            <a:solidFill>
+              <a:srgbClr val="4F81BD"/>
+            </a:solidFill>
+          </a:ln>
+        </p:spPr>
+        <p:style>
+          <a:lnRef idx="2">
+            <a:schemeClr val="accent1">
+              <a:shade val="50000"/>
+            </a:schemeClr>
+          </a:lnRef>
+          <a:fillRef idx="1">
+            <a:schemeClr val="accent1"/>
+          </a:fillRef>
+          <a:effectRef idx="0">
+            <a:schemeClr val="accent1"/>
+          </a:effectRef>
+          <a:fontRef idx="minor">
+            <a:schemeClr val="lt1"/>
+          </a:fontRef>
+        </p:style>
+        <p:txBody>
+          <a:bodyPr rtlCol="0" anchor="ctr"/>
+          <a:lstStyle/>
+          <a:p>
+            <a:pPr algn="ctr"/>
+            <a:endParaRPr lang="en-US"/>
+          </a:p>
+        </p:txBody>
+      </p:sp>
+      <p:sp>
+        <p:nvSpPr>
+          <p:cNvPr id="37" name="Oval 36">
+            <a:extLst>
+              <a:ext uri="{FF2B5EF4-FFF2-40B4-BE49-F238E27FC236}">
+                <a16:creationId xmlns:a16="http://schemas.microsoft.com/office/drawing/2014/main" id="{C32E3BE8-250A-48DE-AA8C-346119A55978}"/>
+              </a:ext>
+            </a:extLst>
+          </p:cNvPr>
+          <p:cNvSpPr/>
+          <p:nvPr/>
+        </p:nvSpPr>
+        <p:spPr>
+          <a:xfrm>
+            <a:off x="3006108" y="6350829"/>
+            <a:ext cx="355283" cy="337805"/>
+          </a:xfrm>
+          <a:prstGeom prst="ellipse">
+            <a:avLst/>
+          </a:prstGeom>
+          <a:solidFill>
+            <a:schemeClr val="bg1"/>
+          </a:solidFill>
+          <a:ln>
+            <a:solidFill>
+              <a:srgbClr val="4F81BD"/>
+            </a:solidFill>
+          </a:ln>
+        </p:spPr>
+        <p:style>
+          <a:lnRef idx="2">
+            <a:schemeClr val="accent1">
+              <a:shade val="50000"/>
+            </a:schemeClr>
+          </a:lnRef>
+          <a:fillRef idx="1">
+            <a:schemeClr val="accent1"/>
+          </a:fillRef>
+          <a:effectRef idx="0">
+            <a:schemeClr val="accent1"/>
+          </a:effectRef>
+          <a:fontRef idx="minor">
+            <a:schemeClr val="lt1"/>
+          </a:fontRef>
+        </p:style>
+        <p:txBody>
+          <a:bodyPr rtlCol="0" anchor="ctr"/>
+          <a:lstStyle/>
+          <a:p>
+            <a:pPr algn="ctr"/>
+            <a:endParaRPr lang="en-US"/>
+          </a:p>
+        </p:txBody>
+      </p:sp>
+    </p:spTree>
+    <p:extLst>
+      <p:ext uri="{BB962C8B-B14F-4D97-AF65-F5344CB8AC3E}">
+        <p14:creationId xmlns:p14="http://schemas.microsoft.com/office/powerpoint/2010/main" val="3442120802"/>
+      </p:ext>
+    </p:extLst>
+  </p:cSld>
+  <p:clrMapOvr>
+    <a:masterClrMapping/>
+  </p:clrMapOvr>
+</p:sld>
+</file>
+
+<file path=ppt/slides/slide12.xml><?xml version="1.0" encoding="utf-8"?>
+<p:sld xmlns:a="http://schemas.openxmlformats.org/drawingml/2006/main" xmlns:r="http://schemas.openxmlformats.org/officeDocument/2006/relationships" xmlns:p="http://schemas.openxmlformats.org/presentationml/2006/main">
+  <p:cSld>
+    <p:spTree>
+      <p:nvGrpSpPr>
+        <p:cNvPr id="1" name=""/>
+        <p:cNvGrpSpPr/>
+        <p:nvPr/>
+      </p:nvGrpSpPr>
+      <p:grpSpPr>
+        <a:xfrm>
+          <a:off x="0" y="0"/>
+          <a:ext cx="0" cy="0"/>
+          <a:chOff x="0" y="0"/>
+          <a:chExt cx="0" cy="0"/>
+        </a:xfrm>
+      </p:grpSpPr>
+      <p:sp>
+        <p:nvSpPr>
           <p:cNvPr id="3075" name="TextBox 3"/>
           <p:cNvSpPr txBox="1">
             <a:spLocks noChangeArrowheads="1"/>
@@ -4778,1380 +6152,6 @@
     <p:extLst>
       <p:ext uri="{BB962C8B-B14F-4D97-AF65-F5344CB8AC3E}">
         <p14:creationId xmlns:p14="http://schemas.microsoft.com/office/powerpoint/2010/main" val="3479008711"/>
-      </p:ext>
-    </p:extLst>
-  </p:cSld>
-  <p:clrMapOvr>
-    <a:masterClrMapping/>
-  </p:clrMapOvr>
-</p:sld>
-</file>
-
-<file path=ppt/slides/slide12.xml><?xml version="1.0" encoding="utf-8"?>
-<p:sld xmlns:a="http://schemas.openxmlformats.org/drawingml/2006/main" xmlns:r="http://schemas.openxmlformats.org/officeDocument/2006/relationships" xmlns:p="http://schemas.openxmlformats.org/presentationml/2006/main">
-  <p:cSld>
-    <p:spTree>
-      <p:nvGrpSpPr>
-        <p:cNvPr id="1" name=""/>
-        <p:cNvGrpSpPr/>
-        <p:nvPr/>
-      </p:nvGrpSpPr>
-      <p:grpSpPr>
-        <a:xfrm>
-          <a:off x="0" y="0"/>
-          <a:ext cx="0" cy="0"/>
-          <a:chOff x="0" y="0"/>
-          <a:chExt cx="0" cy="0"/>
-        </a:xfrm>
-      </p:grpSpPr>
-      <p:sp>
-        <p:nvSpPr>
-          <p:cNvPr id="4" name="TextBox 3">
-            <a:extLst>
-              <a:ext uri="{FF2B5EF4-FFF2-40B4-BE49-F238E27FC236}">
-                <a16:creationId xmlns:a16="http://schemas.microsoft.com/office/drawing/2014/main" id="{9F39865F-EB07-4D64-BC93-AFB2092778C2}"/>
-              </a:ext>
-            </a:extLst>
-          </p:cNvPr>
-          <p:cNvSpPr txBox="1"/>
-          <p:nvPr/>
-        </p:nvSpPr>
-        <p:spPr>
-          <a:xfrm>
-            <a:off x="1329132" y="170895"/>
-            <a:ext cx="542136" cy="523220"/>
-          </a:xfrm>
-          <a:prstGeom prst="rect">
-            <a:avLst/>
-          </a:prstGeom>
-          <a:noFill/>
-        </p:spPr>
-        <p:txBody>
-          <a:bodyPr wrap="none" rtlCol="0">
-            <a:spAutoFit/>
-          </a:bodyPr>
-          <a:lstStyle/>
-          <a:p>
-            <a:r>
-              <a:rPr lang="en-US" sz="2800" dirty="0"/>
-              <a:t>T1</a:t>
-            </a:r>
-          </a:p>
-        </p:txBody>
-      </p:sp>
-      <p:sp>
-        <p:nvSpPr>
-          <p:cNvPr id="5" name="TextBox 4">
-            <a:extLst>
-              <a:ext uri="{FF2B5EF4-FFF2-40B4-BE49-F238E27FC236}">
-                <a16:creationId xmlns:a16="http://schemas.microsoft.com/office/drawing/2014/main" id="{0886EF73-DCC2-49E0-874B-68750453FD20}"/>
-              </a:ext>
-            </a:extLst>
-          </p:cNvPr>
-          <p:cNvSpPr txBox="1"/>
-          <p:nvPr/>
-        </p:nvSpPr>
-        <p:spPr>
-          <a:xfrm>
-            <a:off x="2898458" y="170895"/>
-            <a:ext cx="558166" cy="523220"/>
-          </a:xfrm>
-          <a:prstGeom prst="rect">
-            <a:avLst/>
-          </a:prstGeom>
-          <a:noFill/>
-        </p:spPr>
-        <p:txBody>
-          <a:bodyPr wrap="none" rtlCol="0">
-            <a:spAutoFit/>
-          </a:bodyPr>
-          <a:lstStyle/>
-          <a:p>
-            <a:r>
-              <a:rPr lang="en-US" sz="2800" dirty="0"/>
-              <a:t>C1</a:t>
-            </a:r>
-          </a:p>
-        </p:txBody>
-      </p:sp>
-      <p:sp>
-        <p:nvSpPr>
-          <p:cNvPr id="6" name="TextBox 5">
-            <a:extLst>
-              <a:ext uri="{FF2B5EF4-FFF2-40B4-BE49-F238E27FC236}">
-                <a16:creationId xmlns:a16="http://schemas.microsoft.com/office/drawing/2014/main" id="{D238CA62-B0BF-484B-A2EA-EC14B66D01E0}"/>
-              </a:ext>
-            </a:extLst>
-          </p:cNvPr>
-          <p:cNvSpPr txBox="1"/>
-          <p:nvPr/>
-        </p:nvSpPr>
-        <p:spPr>
-          <a:xfrm>
-            <a:off x="3886200" y="836556"/>
-            <a:ext cx="1903084" cy="954107"/>
-          </a:xfrm>
-          <a:prstGeom prst="rect">
-            <a:avLst/>
-          </a:prstGeom>
-          <a:noFill/>
-        </p:spPr>
-        <p:txBody>
-          <a:bodyPr wrap="square" rtlCol="0">
-            <a:spAutoFit/>
-          </a:bodyPr>
-          <a:lstStyle/>
-          <a:p>
-            <a:pPr algn="ctr"/>
-            <a:r>
-              <a:rPr lang="en-US" sz="1400" dirty="0"/>
-              <a:t>Population characteristics equivalent</a:t>
-            </a:r>
-          </a:p>
-          <a:p>
-            <a:pPr algn="ctr"/>
-            <a:r>
-              <a:rPr lang="en-US" sz="1400" dirty="0"/>
-              <a:t>on all contrasts</a:t>
-            </a:r>
-          </a:p>
-        </p:txBody>
-      </p:sp>
-      <p:sp>
-        <p:nvSpPr>
-          <p:cNvPr id="7" name="Oval 6">
-            <a:extLst>
-              <a:ext uri="{FF2B5EF4-FFF2-40B4-BE49-F238E27FC236}">
-                <a16:creationId xmlns:a16="http://schemas.microsoft.com/office/drawing/2014/main" id="{D6D045F2-95D5-4D2E-AC35-3E054A307844}"/>
-              </a:ext>
-            </a:extLst>
-          </p:cNvPr>
-          <p:cNvSpPr/>
-          <p:nvPr/>
-        </p:nvSpPr>
-        <p:spPr>
-          <a:xfrm>
-            <a:off x="740092" y="2738345"/>
-            <a:ext cx="1466850" cy="1255820"/>
-          </a:xfrm>
-          <a:prstGeom prst="ellipse">
-            <a:avLst/>
-          </a:prstGeom>
-        </p:spPr>
-        <p:style>
-          <a:lnRef idx="2">
-            <a:schemeClr val="accent1">
-              <a:shade val="50000"/>
-            </a:schemeClr>
-          </a:lnRef>
-          <a:fillRef idx="1">
-            <a:schemeClr val="accent1"/>
-          </a:fillRef>
-          <a:effectRef idx="0">
-            <a:schemeClr val="accent1"/>
-          </a:effectRef>
-          <a:fontRef idx="minor">
-            <a:schemeClr val="lt1"/>
-          </a:fontRef>
-        </p:style>
-        <p:txBody>
-          <a:bodyPr rtlCol="0" anchor="ctr"/>
-          <a:lstStyle/>
-          <a:p>
-            <a:pPr algn="ctr"/>
-            <a:endParaRPr lang="en-US"/>
-          </a:p>
-        </p:txBody>
-      </p:sp>
-      <p:sp>
-        <p:nvSpPr>
-          <p:cNvPr id="9" name="Oval 8">
-            <a:extLst>
-              <a:ext uri="{FF2B5EF4-FFF2-40B4-BE49-F238E27FC236}">
-                <a16:creationId xmlns:a16="http://schemas.microsoft.com/office/drawing/2014/main" id="{402AB78B-0612-49DC-8757-81A11331FB88}"/>
-              </a:ext>
-            </a:extLst>
-          </p:cNvPr>
-          <p:cNvSpPr/>
-          <p:nvPr/>
-        </p:nvSpPr>
-        <p:spPr>
-          <a:xfrm>
-            <a:off x="2348883" y="2748055"/>
-            <a:ext cx="1466850" cy="1255820"/>
-          </a:xfrm>
-          <a:prstGeom prst="ellipse">
-            <a:avLst/>
-          </a:prstGeom>
-          <a:ln>
-            <a:solidFill>
-              <a:srgbClr val="385D8A"/>
-            </a:solidFill>
-          </a:ln>
-        </p:spPr>
-        <p:style>
-          <a:lnRef idx="2">
-            <a:schemeClr val="accent1">
-              <a:shade val="50000"/>
-            </a:schemeClr>
-          </a:lnRef>
-          <a:fillRef idx="1">
-            <a:schemeClr val="accent1"/>
-          </a:fillRef>
-          <a:effectRef idx="0">
-            <a:schemeClr val="accent1"/>
-          </a:effectRef>
-          <a:fontRef idx="minor">
-            <a:schemeClr val="lt1"/>
-          </a:fontRef>
-        </p:style>
-        <p:txBody>
-          <a:bodyPr rtlCol="0" anchor="ctr"/>
-          <a:lstStyle/>
-          <a:p>
-            <a:pPr algn="ctr"/>
-            <a:endParaRPr lang="en-US"/>
-          </a:p>
-        </p:txBody>
-      </p:sp>
-      <p:sp>
-        <p:nvSpPr>
-          <p:cNvPr id="10" name="Oval 9">
-            <a:extLst>
-              <a:ext uri="{FF2B5EF4-FFF2-40B4-BE49-F238E27FC236}">
-                <a16:creationId xmlns:a16="http://schemas.microsoft.com/office/drawing/2014/main" id="{A78DBB58-4280-4215-B122-03B642A15B6E}"/>
-              </a:ext>
-            </a:extLst>
-          </p:cNvPr>
-          <p:cNvSpPr/>
-          <p:nvPr/>
-        </p:nvSpPr>
-        <p:spPr>
-          <a:xfrm>
-            <a:off x="822008" y="694115"/>
-            <a:ext cx="1466850" cy="1255820"/>
-          </a:xfrm>
-          <a:prstGeom prst="ellipse">
-            <a:avLst/>
-          </a:prstGeom>
-        </p:spPr>
-        <p:style>
-          <a:lnRef idx="2">
-            <a:schemeClr val="accent1">
-              <a:shade val="50000"/>
-            </a:schemeClr>
-          </a:lnRef>
-          <a:fillRef idx="1">
-            <a:schemeClr val="accent1"/>
-          </a:fillRef>
-          <a:effectRef idx="0">
-            <a:schemeClr val="accent1"/>
-          </a:effectRef>
-          <a:fontRef idx="minor">
-            <a:schemeClr val="lt1"/>
-          </a:fontRef>
-        </p:style>
-        <p:txBody>
-          <a:bodyPr rtlCol="0" anchor="ctr"/>
-          <a:lstStyle/>
-          <a:p>
-            <a:pPr algn="ctr"/>
-            <a:endParaRPr lang="en-US"/>
-          </a:p>
-        </p:txBody>
-      </p:sp>
-      <p:sp>
-        <p:nvSpPr>
-          <p:cNvPr id="11" name="Oval 10">
-            <a:extLst>
-              <a:ext uri="{FF2B5EF4-FFF2-40B4-BE49-F238E27FC236}">
-                <a16:creationId xmlns:a16="http://schemas.microsoft.com/office/drawing/2014/main" id="{77DB19C3-8CEC-4603-99A3-C3037FC288FB}"/>
-              </a:ext>
-            </a:extLst>
-          </p:cNvPr>
-          <p:cNvSpPr/>
-          <p:nvPr/>
-        </p:nvSpPr>
-        <p:spPr>
-          <a:xfrm>
-            <a:off x="2387917" y="694115"/>
-            <a:ext cx="1466850" cy="1255820"/>
-          </a:xfrm>
-          <a:prstGeom prst="ellipse">
-            <a:avLst/>
-          </a:prstGeom>
-        </p:spPr>
-        <p:style>
-          <a:lnRef idx="2">
-            <a:schemeClr val="accent1">
-              <a:shade val="50000"/>
-            </a:schemeClr>
-          </a:lnRef>
-          <a:fillRef idx="1">
-            <a:schemeClr val="accent1"/>
-          </a:fillRef>
-          <a:effectRef idx="0">
-            <a:schemeClr val="accent1"/>
-          </a:effectRef>
-          <a:fontRef idx="minor">
-            <a:schemeClr val="lt1"/>
-          </a:fontRef>
-        </p:style>
-        <p:txBody>
-          <a:bodyPr rtlCol="0" anchor="ctr"/>
-          <a:lstStyle/>
-          <a:p>
-            <a:pPr algn="ctr"/>
-            <a:endParaRPr lang="en-US"/>
-          </a:p>
-        </p:txBody>
-      </p:sp>
-      <p:sp>
-        <p:nvSpPr>
-          <p:cNvPr id="12" name="Oval 11">
-            <a:extLst>
-              <a:ext uri="{FF2B5EF4-FFF2-40B4-BE49-F238E27FC236}">
-                <a16:creationId xmlns:a16="http://schemas.microsoft.com/office/drawing/2014/main" id="{0318D2D5-BD03-4691-98E9-3A141DBBEA8E}"/>
-              </a:ext>
-            </a:extLst>
-          </p:cNvPr>
-          <p:cNvSpPr/>
-          <p:nvPr/>
-        </p:nvSpPr>
-        <p:spPr>
-          <a:xfrm>
-            <a:off x="740092" y="4109945"/>
-            <a:ext cx="1466850" cy="1255820"/>
-          </a:xfrm>
-          <a:prstGeom prst="ellipse">
-            <a:avLst/>
-          </a:prstGeom>
-        </p:spPr>
-        <p:style>
-          <a:lnRef idx="2">
-            <a:schemeClr val="accent1">
-              <a:shade val="50000"/>
-            </a:schemeClr>
-          </a:lnRef>
-          <a:fillRef idx="1">
-            <a:schemeClr val="accent1"/>
-          </a:fillRef>
-          <a:effectRef idx="0">
-            <a:schemeClr val="accent1"/>
-          </a:effectRef>
-          <a:fontRef idx="minor">
-            <a:schemeClr val="lt1"/>
-          </a:fontRef>
-        </p:style>
-        <p:txBody>
-          <a:bodyPr rtlCol="0" anchor="ctr"/>
-          <a:lstStyle/>
-          <a:p>
-            <a:pPr algn="ctr"/>
-            <a:endParaRPr lang="en-US"/>
-          </a:p>
-        </p:txBody>
-      </p:sp>
-      <p:sp>
-        <p:nvSpPr>
-          <p:cNvPr id="13" name="Oval 12">
-            <a:extLst>
-              <a:ext uri="{FF2B5EF4-FFF2-40B4-BE49-F238E27FC236}">
-                <a16:creationId xmlns:a16="http://schemas.microsoft.com/office/drawing/2014/main" id="{6CE8594E-5EC8-47EC-BA35-1B925AAC8C30}"/>
-              </a:ext>
-            </a:extLst>
-          </p:cNvPr>
-          <p:cNvSpPr/>
-          <p:nvPr/>
-        </p:nvSpPr>
-        <p:spPr>
-          <a:xfrm>
-            <a:off x="2444116" y="4109945"/>
-            <a:ext cx="1466850" cy="1255820"/>
-          </a:xfrm>
-          <a:prstGeom prst="ellipse">
-            <a:avLst/>
-          </a:prstGeom>
-        </p:spPr>
-        <p:style>
-          <a:lnRef idx="2">
-            <a:schemeClr val="accent1">
-              <a:shade val="50000"/>
-            </a:schemeClr>
-          </a:lnRef>
-          <a:fillRef idx="1">
-            <a:schemeClr val="accent1"/>
-          </a:fillRef>
-          <a:effectRef idx="0">
-            <a:schemeClr val="accent1"/>
-          </a:effectRef>
-          <a:fontRef idx="minor">
-            <a:schemeClr val="lt1"/>
-          </a:fontRef>
-        </p:style>
-        <p:txBody>
-          <a:bodyPr rtlCol="0" anchor="ctr"/>
-          <a:lstStyle/>
-          <a:p>
-            <a:pPr algn="ctr"/>
-            <a:endParaRPr lang="en-US"/>
-          </a:p>
-        </p:txBody>
-      </p:sp>
-      <p:sp>
-        <p:nvSpPr>
-          <p:cNvPr id="14" name="Oval 13">
-            <a:extLst>
-              <a:ext uri="{FF2B5EF4-FFF2-40B4-BE49-F238E27FC236}">
-                <a16:creationId xmlns:a16="http://schemas.microsoft.com/office/drawing/2014/main" id="{AEA3B4F6-BEF7-46EA-B9DB-B2F4E69EA9C6}"/>
-              </a:ext>
-            </a:extLst>
-          </p:cNvPr>
-          <p:cNvSpPr/>
-          <p:nvPr/>
-        </p:nvSpPr>
-        <p:spPr>
-          <a:xfrm>
-            <a:off x="740092" y="5481545"/>
-            <a:ext cx="1466850" cy="1255820"/>
-          </a:xfrm>
-          <a:prstGeom prst="ellipse">
-            <a:avLst/>
-          </a:prstGeom>
-        </p:spPr>
-        <p:style>
-          <a:lnRef idx="2">
-            <a:schemeClr val="accent1">
-              <a:shade val="50000"/>
-            </a:schemeClr>
-          </a:lnRef>
-          <a:fillRef idx="1">
-            <a:schemeClr val="accent1"/>
-          </a:fillRef>
-          <a:effectRef idx="0">
-            <a:schemeClr val="accent1"/>
-          </a:effectRef>
-          <a:fontRef idx="minor">
-            <a:schemeClr val="lt1"/>
-          </a:fontRef>
-        </p:style>
-        <p:txBody>
-          <a:bodyPr rtlCol="0" anchor="ctr"/>
-          <a:lstStyle/>
-          <a:p>
-            <a:pPr algn="ctr"/>
-            <a:endParaRPr lang="en-US"/>
-          </a:p>
-        </p:txBody>
-      </p:sp>
-      <p:sp>
-        <p:nvSpPr>
-          <p:cNvPr id="15" name="Oval 14">
-            <a:extLst>
-              <a:ext uri="{FF2B5EF4-FFF2-40B4-BE49-F238E27FC236}">
-                <a16:creationId xmlns:a16="http://schemas.microsoft.com/office/drawing/2014/main" id="{2C66CF0B-7497-4074-BB0D-0A43098270D3}"/>
-              </a:ext>
-            </a:extLst>
-          </p:cNvPr>
-          <p:cNvSpPr/>
-          <p:nvPr/>
-        </p:nvSpPr>
-        <p:spPr>
-          <a:xfrm>
-            <a:off x="2444116" y="5481545"/>
-            <a:ext cx="1466850" cy="1255820"/>
-          </a:xfrm>
-          <a:prstGeom prst="ellipse">
-            <a:avLst/>
-          </a:prstGeom>
-        </p:spPr>
-        <p:style>
-          <a:lnRef idx="2">
-            <a:schemeClr val="accent1">
-              <a:shade val="50000"/>
-            </a:schemeClr>
-          </a:lnRef>
-          <a:fillRef idx="1">
-            <a:schemeClr val="accent1"/>
-          </a:fillRef>
-          <a:effectRef idx="0">
-            <a:schemeClr val="accent1"/>
-          </a:effectRef>
-          <a:fontRef idx="minor">
-            <a:schemeClr val="lt1"/>
-          </a:fontRef>
-        </p:style>
-        <p:txBody>
-          <a:bodyPr rtlCol="0" anchor="ctr"/>
-          <a:lstStyle/>
-          <a:p>
-            <a:pPr algn="ctr"/>
-            <a:endParaRPr lang="en-US"/>
-          </a:p>
-        </p:txBody>
-      </p:sp>
-      <p:sp>
-        <p:nvSpPr>
-          <p:cNvPr id="16" name="TextBox 15">
-            <a:extLst>
-              <a:ext uri="{FF2B5EF4-FFF2-40B4-BE49-F238E27FC236}">
-                <a16:creationId xmlns:a16="http://schemas.microsoft.com/office/drawing/2014/main" id="{D01419DD-81C5-4F59-B63A-D95B2A7116D3}"/>
-              </a:ext>
-            </a:extLst>
-          </p:cNvPr>
-          <p:cNvSpPr txBox="1"/>
-          <p:nvPr/>
-        </p:nvSpPr>
-        <p:spPr>
-          <a:xfrm>
-            <a:off x="1202449" y="2241805"/>
-            <a:ext cx="542136" cy="523220"/>
-          </a:xfrm>
-          <a:prstGeom prst="rect">
-            <a:avLst/>
-          </a:prstGeom>
-          <a:noFill/>
-        </p:spPr>
-        <p:txBody>
-          <a:bodyPr wrap="none" rtlCol="0">
-            <a:spAutoFit/>
-          </a:bodyPr>
-          <a:lstStyle/>
-          <a:p>
-            <a:r>
-              <a:rPr lang="en-US" sz="2800" dirty="0"/>
-              <a:t>T2</a:t>
-            </a:r>
-          </a:p>
-        </p:txBody>
-      </p:sp>
-      <p:sp>
-        <p:nvSpPr>
-          <p:cNvPr id="17" name="TextBox 16">
-            <a:extLst>
-              <a:ext uri="{FF2B5EF4-FFF2-40B4-BE49-F238E27FC236}">
-                <a16:creationId xmlns:a16="http://schemas.microsoft.com/office/drawing/2014/main" id="{48264D0B-CF3B-405E-91FA-BBD4CDC58260}"/>
-              </a:ext>
-            </a:extLst>
-          </p:cNvPr>
-          <p:cNvSpPr txBox="1"/>
-          <p:nvPr/>
-        </p:nvSpPr>
-        <p:spPr>
-          <a:xfrm>
-            <a:off x="2803225" y="2241805"/>
-            <a:ext cx="558166" cy="523220"/>
-          </a:xfrm>
-          <a:prstGeom prst="rect">
-            <a:avLst/>
-          </a:prstGeom>
-          <a:noFill/>
-        </p:spPr>
-        <p:txBody>
-          <a:bodyPr wrap="none" rtlCol="0">
-            <a:spAutoFit/>
-          </a:bodyPr>
-          <a:lstStyle/>
-          <a:p>
-            <a:r>
-              <a:rPr lang="en-US" sz="2800" dirty="0"/>
-              <a:t>C2</a:t>
-            </a:r>
-          </a:p>
-        </p:txBody>
-      </p:sp>
-      <p:sp>
-        <p:nvSpPr>
-          <p:cNvPr id="18" name="Oval 17">
-            <a:extLst>
-              <a:ext uri="{FF2B5EF4-FFF2-40B4-BE49-F238E27FC236}">
-                <a16:creationId xmlns:a16="http://schemas.microsoft.com/office/drawing/2014/main" id="{73365B8C-453A-4BB8-A7FD-21486216DA1E}"/>
-              </a:ext>
-            </a:extLst>
-          </p:cNvPr>
-          <p:cNvSpPr/>
-          <p:nvPr/>
-        </p:nvSpPr>
-        <p:spPr>
-          <a:xfrm>
-            <a:off x="1016317" y="4210849"/>
-            <a:ext cx="914400" cy="914400"/>
-          </a:xfrm>
-          <a:prstGeom prst="ellipse">
-            <a:avLst/>
-          </a:prstGeom>
-          <a:solidFill>
-            <a:schemeClr val="bg1"/>
-          </a:solidFill>
-          <a:ln>
-            <a:solidFill>
-              <a:srgbClr val="4F81BD"/>
-            </a:solidFill>
-          </a:ln>
-        </p:spPr>
-        <p:style>
-          <a:lnRef idx="2">
-            <a:schemeClr val="accent1">
-              <a:shade val="50000"/>
-            </a:schemeClr>
-          </a:lnRef>
-          <a:fillRef idx="1">
-            <a:schemeClr val="accent1"/>
-          </a:fillRef>
-          <a:effectRef idx="0">
-            <a:schemeClr val="accent1"/>
-          </a:effectRef>
-          <a:fontRef idx="minor">
-            <a:schemeClr val="lt1"/>
-          </a:fontRef>
-        </p:style>
-        <p:txBody>
-          <a:bodyPr rtlCol="0" anchor="ctr"/>
-          <a:lstStyle/>
-          <a:p>
-            <a:pPr algn="ctr"/>
-            <a:endParaRPr lang="en-US"/>
-          </a:p>
-        </p:txBody>
-      </p:sp>
-      <p:sp>
-        <p:nvSpPr>
-          <p:cNvPr id="19" name="Oval 18">
-            <a:extLst>
-              <a:ext uri="{FF2B5EF4-FFF2-40B4-BE49-F238E27FC236}">
-                <a16:creationId xmlns:a16="http://schemas.microsoft.com/office/drawing/2014/main" id="{AF94995D-1368-4CFE-8F71-CC4D1DE42A52}"/>
-              </a:ext>
-            </a:extLst>
-          </p:cNvPr>
-          <p:cNvSpPr/>
-          <p:nvPr/>
-        </p:nvSpPr>
-        <p:spPr>
-          <a:xfrm>
-            <a:off x="2959201" y="4236002"/>
-            <a:ext cx="355283" cy="337805"/>
-          </a:xfrm>
-          <a:prstGeom prst="ellipse">
-            <a:avLst/>
-          </a:prstGeom>
-          <a:solidFill>
-            <a:schemeClr val="bg1"/>
-          </a:solidFill>
-          <a:ln>
-            <a:solidFill>
-              <a:srgbClr val="4F81BD"/>
-            </a:solidFill>
-          </a:ln>
-        </p:spPr>
-        <p:style>
-          <a:lnRef idx="2">
-            <a:schemeClr val="accent1">
-              <a:shade val="50000"/>
-            </a:schemeClr>
-          </a:lnRef>
-          <a:fillRef idx="1">
-            <a:schemeClr val="accent1"/>
-          </a:fillRef>
-          <a:effectRef idx="0">
-            <a:schemeClr val="accent1"/>
-          </a:effectRef>
-          <a:fontRef idx="minor">
-            <a:schemeClr val="lt1"/>
-          </a:fontRef>
-        </p:style>
-        <p:txBody>
-          <a:bodyPr rtlCol="0" anchor="ctr"/>
-          <a:lstStyle/>
-          <a:p>
-            <a:pPr algn="ctr"/>
-            <a:endParaRPr lang="en-US"/>
-          </a:p>
-        </p:txBody>
-      </p:sp>
-      <p:sp>
-        <p:nvSpPr>
-          <p:cNvPr id="20" name="Oval 19">
-            <a:extLst>
-              <a:ext uri="{FF2B5EF4-FFF2-40B4-BE49-F238E27FC236}">
-                <a16:creationId xmlns:a16="http://schemas.microsoft.com/office/drawing/2014/main" id="{D2ACA5A9-AEBE-4FE3-BD2B-4724557221AC}"/>
-              </a:ext>
-            </a:extLst>
-          </p:cNvPr>
-          <p:cNvSpPr/>
-          <p:nvPr/>
-        </p:nvSpPr>
-        <p:spPr>
-          <a:xfrm>
-            <a:off x="2784805" y="2882423"/>
-            <a:ext cx="609600" cy="533400"/>
-          </a:xfrm>
-          <a:prstGeom prst="ellipse">
-            <a:avLst/>
-          </a:prstGeom>
-          <a:solidFill>
-            <a:schemeClr val="bg1"/>
-          </a:solidFill>
-          <a:ln>
-            <a:solidFill>
-              <a:srgbClr val="4F81BD"/>
-            </a:solidFill>
-          </a:ln>
-        </p:spPr>
-        <p:style>
-          <a:lnRef idx="2">
-            <a:schemeClr val="accent1">
-              <a:shade val="50000"/>
-            </a:schemeClr>
-          </a:lnRef>
-          <a:fillRef idx="1">
-            <a:schemeClr val="accent1"/>
-          </a:fillRef>
-          <a:effectRef idx="0">
-            <a:schemeClr val="accent1"/>
-          </a:effectRef>
-          <a:fontRef idx="minor">
-            <a:schemeClr val="lt1"/>
-          </a:fontRef>
-        </p:style>
-        <p:txBody>
-          <a:bodyPr rtlCol="0" anchor="ctr"/>
-          <a:lstStyle/>
-          <a:p>
-            <a:pPr algn="ctr"/>
-            <a:endParaRPr lang="en-US"/>
-          </a:p>
-        </p:txBody>
-      </p:sp>
-      <p:sp>
-        <p:nvSpPr>
-          <p:cNvPr id="21" name="Rectangle 20">
-            <a:extLst>
-              <a:ext uri="{FF2B5EF4-FFF2-40B4-BE49-F238E27FC236}">
-                <a16:creationId xmlns:a16="http://schemas.microsoft.com/office/drawing/2014/main" id="{91C1B6E5-CACD-4187-86D6-6051DC975067}"/>
-              </a:ext>
-            </a:extLst>
-          </p:cNvPr>
-          <p:cNvSpPr/>
-          <p:nvPr/>
-        </p:nvSpPr>
-        <p:spPr>
-          <a:xfrm>
-            <a:off x="559117" y="6400960"/>
-            <a:ext cx="1828800" cy="376145"/>
-          </a:xfrm>
-          <a:prstGeom prst="rect">
-            <a:avLst/>
-          </a:prstGeom>
-          <a:solidFill>
-            <a:schemeClr val="bg1"/>
-          </a:solidFill>
-          <a:ln>
-            <a:solidFill>
-              <a:schemeClr val="bg1"/>
-            </a:solidFill>
-          </a:ln>
-        </p:spPr>
-        <p:style>
-          <a:lnRef idx="2">
-            <a:schemeClr val="accent1">
-              <a:shade val="50000"/>
-            </a:schemeClr>
-          </a:lnRef>
-          <a:fillRef idx="1">
-            <a:schemeClr val="accent1"/>
-          </a:fillRef>
-          <a:effectRef idx="0">
-            <a:schemeClr val="accent1"/>
-          </a:effectRef>
-          <a:fontRef idx="minor">
-            <a:schemeClr val="lt1"/>
-          </a:fontRef>
-        </p:style>
-        <p:txBody>
-          <a:bodyPr rtlCol="0" anchor="ctr"/>
-          <a:lstStyle/>
-          <a:p>
-            <a:pPr algn="ctr"/>
-            <a:endParaRPr lang="en-US"/>
-          </a:p>
-        </p:txBody>
-      </p:sp>
-      <p:sp>
-        <p:nvSpPr>
-          <p:cNvPr id="22" name="Rectangle 21">
-            <a:extLst>
-              <a:ext uri="{FF2B5EF4-FFF2-40B4-BE49-F238E27FC236}">
-                <a16:creationId xmlns:a16="http://schemas.microsoft.com/office/drawing/2014/main" id="{38830439-4405-4551-9072-6A2CE4AA1B59}"/>
-              </a:ext>
-            </a:extLst>
-          </p:cNvPr>
-          <p:cNvSpPr/>
-          <p:nvPr/>
-        </p:nvSpPr>
-        <p:spPr>
-          <a:xfrm>
-            <a:off x="2288858" y="5441411"/>
-            <a:ext cx="1828800" cy="376145"/>
-          </a:xfrm>
-          <a:prstGeom prst="rect">
-            <a:avLst/>
-          </a:prstGeom>
-          <a:solidFill>
-            <a:schemeClr val="bg1"/>
-          </a:solidFill>
-          <a:ln>
-            <a:solidFill>
-              <a:schemeClr val="bg1"/>
-            </a:solidFill>
-          </a:ln>
-        </p:spPr>
-        <p:style>
-          <a:lnRef idx="2">
-            <a:schemeClr val="accent1">
-              <a:shade val="50000"/>
-            </a:schemeClr>
-          </a:lnRef>
-          <a:fillRef idx="1">
-            <a:schemeClr val="accent1"/>
-          </a:fillRef>
-          <a:effectRef idx="0">
-            <a:schemeClr val="accent1"/>
-          </a:effectRef>
-          <a:fontRef idx="minor">
-            <a:schemeClr val="lt1"/>
-          </a:fontRef>
-        </p:style>
-        <p:txBody>
-          <a:bodyPr rtlCol="0" anchor="ctr"/>
-          <a:lstStyle/>
-          <a:p>
-            <a:pPr algn="ctr"/>
-            <a:endParaRPr lang="en-US"/>
-          </a:p>
-        </p:txBody>
-      </p:sp>
-      <p:sp>
-        <p:nvSpPr>
-          <p:cNvPr id="23" name="TextBox 22">
-            <a:extLst>
-              <a:ext uri="{FF2B5EF4-FFF2-40B4-BE49-F238E27FC236}">
-                <a16:creationId xmlns:a16="http://schemas.microsoft.com/office/drawing/2014/main" id="{CBA36AC2-6E11-4ADA-8EBB-F00D50EF5206}"/>
-              </a:ext>
-            </a:extLst>
-          </p:cNvPr>
-          <p:cNvSpPr txBox="1"/>
-          <p:nvPr/>
-        </p:nvSpPr>
-        <p:spPr>
-          <a:xfrm>
-            <a:off x="4420031" y="2401098"/>
-            <a:ext cx="4349139" cy="400110"/>
-          </a:xfrm>
-          <a:prstGeom prst="rect">
-            <a:avLst/>
-          </a:prstGeom>
-          <a:noFill/>
-        </p:spPr>
-        <p:txBody>
-          <a:bodyPr wrap="none" rtlCol="0">
-            <a:spAutoFit/>
-          </a:bodyPr>
-          <a:lstStyle/>
-          <a:p>
-            <a:r>
-              <a:rPr lang="en-US" sz="2000" dirty="0"/>
-              <a:t>Example Nonrandom Attrition Problems</a:t>
-            </a:r>
-          </a:p>
-        </p:txBody>
-      </p:sp>
-      <p:sp>
-        <p:nvSpPr>
-          <p:cNvPr id="24" name="TextBox 23">
-            <a:extLst>
-              <a:ext uri="{FF2B5EF4-FFF2-40B4-BE49-F238E27FC236}">
-                <a16:creationId xmlns:a16="http://schemas.microsoft.com/office/drawing/2014/main" id="{1D64013D-999F-4F5B-81D1-8FD6DD138EC3}"/>
-              </a:ext>
-            </a:extLst>
-          </p:cNvPr>
-          <p:cNvSpPr txBox="1"/>
-          <p:nvPr/>
-        </p:nvSpPr>
-        <p:spPr>
-          <a:xfrm>
-            <a:off x="6222124" y="170895"/>
-            <a:ext cx="542136" cy="523220"/>
-          </a:xfrm>
-          <a:prstGeom prst="rect">
-            <a:avLst/>
-          </a:prstGeom>
-          <a:noFill/>
-        </p:spPr>
-        <p:txBody>
-          <a:bodyPr wrap="none" rtlCol="0">
-            <a:spAutoFit/>
-          </a:bodyPr>
-          <a:lstStyle/>
-          <a:p>
-            <a:r>
-              <a:rPr lang="en-US" sz="2800" dirty="0"/>
-              <a:t>T2</a:t>
-            </a:r>
-          </a:p>
-        </p:txBody>
-      </p:sp>
-      <p:sp>
-        <p:nvSpPr>
-          <p:cNvPr id="25" name="TextBox 24">
-            <a:extLst>
-              <a:ext uri="{FF2B5EF4-FFF2-40B4-BE49-F238E27FC236}">
-                <a16:creationId xmlns:a16="http://schemas.microsoft.com/office/drawing/2014/main" id="{5063755A-F99C-4107-95A9-F220F73643DE}"/>
-              </a:ext>
-            </a:extLst>
-          </p:cNvPr>
-          <p:cNvSpPr txBox="1"/>
-          <p:nvPr/>
-        </p:nvSpPr>
-        <p:spPr>
-          <a:xfrm>
-            <a:off x="7791450" y="170895"/>
-            <a:ext cx="558166" cy="523220"/>
-          </a:xfrm>
-          <a:prstGeom prst="rect">
-            <a:avLst/>
-          </a:prstGeom>
-          <a:noFill/>
-        </p:spPr>
-        <p:txBody>
-          <a:bodyPr wrap="none" rtlCol="0">
-            <a:spAutoFit/>
-          </a:bodyPr>
-          <a:lstStyle/>
-          <a:p>
-            <a:r>
-              <a:rPr lang="en-US" sz="2800" dirty="0"/>
-              <a:t>C2</a:t>
-            </a:r>
-          </a:p>
-        </p:txBody>
-      </p:sp>
-      <p:sp>
-        <p:nvSpPr>
-          <p:cNvPr id="26" name="Oval 25">
-            <a:extLst>
-              <a:ext uri="{FF2B5EF4-FFF2-40B4-BE49-F238E27FC236}">
-                <a16:creationId xmlns:a16="http://schemas.microsoft.com/office/drawing/2014/main" id="{12AC26DE-EBB2-410F-BA12-3536E274B15F}"/>
-              </a:ext>
-            </a:extLst>
-          </p:cNvPr>
-          <p:cNvSpPr/>
-          <p:nvPr/>
-        </p:nvSpPr>
-        <p:spPr>
-          <a:xfrm>
-            <a:off x="5715000" y="694115"/>
-            <a:ext cx="1466850" cy="1255820"/>
-          </a:xfrm>
-          <a:prstGeom prst="ellipse">
-            <a:avLst/>
-          </a:prstGeom>
-        </p:spPr>
-        <p:style>
-          <a:lnRef idx="2">
-            <a:schemeClr val="accent1">
-              <a:shade val="50000"/>
-            </a:schemeClr>
-          </a:lnRef>
-          <a:fillRef idx="1">
-            <a:schemeClr val="accent1"/>
-          </a:fillRef>
-          <a:effectRef idx="0">
-            <a:schemeClr val="accent1"/>
-          </a:effectRef>
-          <a:fontRef idx="minor">
-            <a:schemeClr val="lt1"/>
-          </a:fontRef>
-        </p:style>
-        <p:txBody>
-          <a:bodyPr rtlCol="0" anchor="ctr"/>
-          <a:lstStyle/>
-          <a:p>
-            <a:pPr algn="ctr"/>
-            <a:endParaRPr lang="en-US"/>
-          </a:p>
-        </p:txBody>
-      </p:sp>
-      <p:sp>
-        <p:nvSpPr>
-          <p:cNvPr id="27" name="Oval 26">
-            <a:extLst>
-              <a:ext uri="{FF2B5EF4-FFF2-40B4-BE49-F238E27FC236}">
-                <a16:creationId xmlns:a16="http://schemas.microsoft.com/office/drawing/2014/main" id="{9C47C28F-B064-4573-8867-5669E31359F5}"/>
-              </a:ext>
-            </a:extLst>
-          </p:cNvPr>
-          <p:cNvSpPr/>
-          <p:nvPr/>
-        </p:nvSpPr>
-        <p:spPr>
-          <a:xfrm>
-            <a:off x="7280909" y="694115"/>
-            <a:ext cx="1466850" cy="1255820"/>
-          </a:xfrm>
-          <a:prstGeom prst="ellipse">
-            <a:avLst/>
-          </a:prstGeom>
-        </p:spPr>
-        <p:style>
-          <a:lnRef idx="2">
-            <a:schemeClr val="accent1">
-              <a:shade val="50000"/>
-            </a:schemeClr>
-          </a:lnRef>
-          <a:fillRef idx="1">
-            <a:schemeClr val="accent1"/>
-          </a:fillRef>
-          <a:effectRef idx="0">
-            <a:schemeClr val="accent1"/>
-          </a:effectRef>
-          <a:fontRef idx="minor">
-            <a:schemeClr val="lt1"/>
-          </a:fontRef>
-        </p:style>
-        <p:txBody>
-          <a:bodyPr rtlCol="0" anchor="ctr"/>
-          <a:lstStyle/>
-          <a:p>
-            <a:pPr algn="ctr"/>
-            <a:endParaRPr lang="en-US"/>
-          </a:p>
-        </p:txBody>
-      </p:sp>
-      <p:cxnSp>
-        <p:nvCxnSpPr>
-          <p:cNvPr id="29" name="Straight Arrow Connector 28">
-            <a:extLst>
-              <a:ext uri="{FF2B5EF4-FFF2-40B4-BE49-F238E27FC236}">
-                <a16:creationId xmlns:a16="http://schemas.microsoft.com/office/drawing/2014/main" id="{2CEB4890-593A-4FED-A774-472CA502105F}"/>
-              </a:ext>
-            </a:extLst>
-          </p:cNvPr>
-          <p:cNvCxnSpPr>
-            <a:cxnSpLocks/>
-          </p:cNvCxnSpPr>
-          <p:nvPr/>
-        </p:nvCxnSpPr>
-        <p:spPr>
-          <a:xfrm flipH="1">
-            <a:off x="3973009" y="990600"/>
-            <a:ext cx="321429" cy="0"/>
-          </a:xfrm>
-          <a:prstGeom prst="straightConnector1">
-            <a:avLst/>
-          </a:prstGeom>
-          <a:ln w="34925">
-            <a:tailEnd type="triangle"/>
-          </a:ln>
-        </p:spPr>
-        <p:style>
-          <a:lnRef idx="1">
-            <a:schemeClr val="accent1"/>
-          </a:lnRef>
-          <a:fillRef idx="0">
-            <a:schemeClr val="accent1"/>
-          </a:fillRef>
-          <a:effectRef idx="0">
-            <a:schemeClr val="accent1"/>
-          </a:effectRef>
-          <a:fontRef idx="minor">
-            <a:schemeClr val="tx1"/>
-          </a:fontRef>
-        </p:style>
-      </p:cxnSp>
-      <p:cxnSp>
-        <p:nvCxnSpPr>
-          <p:cNvPr id="31" name="Straight Arrow Connector 30">
-            <a:extLst>
-              <a:ext uri="{FF2B5EF4-FFF2-40B4-BE49-F238E27FC236}">
-                <a16:creationId xmlns:a16="http://schemas.microsoft.com/office/drawing/2014/main" id="{A5FC82E2-3FB9-4EA4-B946-8F0B8B26915D}"/>
-              </a:ext>
-            </a:extLst>
-          </p:cNvPr>
-          <p:cNvCxnSpPr>
-            <a:cxnSpLocks/>
-          </p:cNvCxnSpPr>
-          <p:nvPr/>
-        </p:nvCxnSpPr>
-        <p:spPr>
-          <a:xfrm>
-            <a:off x="5353487" y="990600"/>
-            <a:ext cx="380999" cy="0"/>
-          </a:xfrm>
-          <a:prstGeom prst="straightConnector1">
-            <a:avLst/>
-          </a:prstGeom>
-          <a:ln w="34925">
-            <a:tailEnd type="triangle"/>
-          </a:ln>
-        </p:spPr>
-        <p:style>
-          <a:lnRef idx="1">
-            <a:schemeClr val="accent1"/>
-          </a:lnRef>
-          <a:fillRef idx="0">
-            <a:schemeClr val="accent1"/>
-          </a:fillRef>
-          <a:effectRef idx="0">
-            <a:schemeClr val="accent1"/>
-          </a:effectRef>
-          <a:fontRef idx="minor">
-            <a:schemeClr val="tx1"/>
-          </a:fontRef>
-        </p:style>
-      </p:cxnSp>
-      <p:sp>
-        <p:nvSpPr>
-          <p:cNvPr id="33" name="Oval 32">
-            <a:extLst>
-              <a:ext uri="{FF2B5EF4-FFF2-40B4-BE49-F238E27FC236}">
-                <a16:creationId xmlns:a16="http://schemas.microsoft.com/office/drawing/2014/main" id="{F5944775-4C89-4B8A-B2EB-961822A9BF01}"/>
-              </a:ext>
-            </a:extLst>
-          </p:cNvPr>
-          <p:cNvSpPr/>
-          <p:nvPr/>
-        </p:nvSpPr>
-        <p:spPr>
-          <a:xfrm>
-            <a:off x="6728787" y="1127835"/>
-            <a:ext cx="355283" cy="337805"/>
-          </a:xfrm>
-          <a:prstGeom prst="ellipse">
-            <a:avLst/>
-          </a:prstGeom>
-          <a:solidFill>
-            <a:schemeClr val="bg1"/>
-          </a:solidFill>
-          <a:ln>
-            <a:solidFill>
-              <a:srgbClr val="4F81BD"/>
-            </a:solidFill>
-          </a:ln>
-        </p:spPr>
-        <p:style>
-          <a:lnRef idx="2">
-            <a:schemeClr val="accent1">
-              <a:shade val="50000"/>
-            </a:schemeClr>
-          </a:lnRef>
-          <a:fillRef idx="1">
-            <a:schemeClr val="accent1"/>
-          </a:fillRef>
-          <a:effectRef idx="0">
-            <a:schemeClr val="accent1"/>
-          </a:effectRef>
-          <a:fontRef idx="minor">
-            <a:schemeClr val="lt1"/>
-          </a:fontRef>
-        </p:style>
-        <p:txBody>
-          <a:bodyPr rtlCol="0" anchor="ctr"/>
-          <a:lstStyle/>
-          <a:p>
-            <a:pPr algn="ctr"/>
-            <a:endParaRPr lang="en-US"/>
-          </a:p>
-        </p:txBody>
-      </p:sp>
-      <p:sp>
-        <p:nvSpPr>
-          <p:cNvPr id="34" name="Oval 33">
-            <a:extLst>
-              <a:ext uri="{FF2B5EF4-FFF2-40B4-BE49-F238E27FC236}">
-                <a16:creationId xmlns:a16="http://schemas.microsoft.com/office/drawing/2014/main" id="{904FD76B-238E-4CA9-8598-6AF8133A1C51}"/>
-              </a:ext>
-            </a:extLst>
-          </p:cNvPr>
-          <p:cNvSpPr/>
-          <p:nvPr/>
-        </p:nvSpPr>
-        <p:spPr>
-          <a:xfrm>
-            <a:off x="7330709" y="1127836"/>
-            <a:ext cx="355283" cy="337805"/>
-          </a:xfrm>
-          <a:prstGeom prst="ellipse">
-            <a:avLst/>
-          </a:prstGeom>
-          <a:solidFill>
-            <a:schemeClr val="bg1"/>
-          </a:solidFill>
-          <a:ln>
-            <a:solidFill>
-              <a:srgbClr val="4F81BD"/>
-            </a:solidFill>
-          </a:ln>
-        </p:spPr>
-        <p:style>
-          <a:lnRef idx="2">
-            <a:schemeClr val="accent1">
-              <a:shade val="50000"/>
-            </a:schemeClr>
-          </a:lnRef>
-          <a:fillRef idx="1">
-            <a:schemeClr val="accent1"/>
-          </a:fillRef>
-          <a:effectRef idx="0">
-            <a:schemeClr val="accent1"/>
-          </a:effectRef>
-          <a:fontRef idx="minor">
-            <a:schemeClr val="lt1"/>
-          </a:fontRef>
-        </p:style>
-        <p:txBody>
-          <a:bodyPr rtlCol="0" anchor="ctr"/>
-          <a:lstStyle/>
-          <a:p>
-            <a:pPr algn="ctr"/>
-            <a:endParaRPr lang="en-US"/>
-          </a:p>
-        </p:txBody>
-      </p:sp>
-      <p:sp>
-        <p:nvSpPr>
-          <p:cNvPr id="35" name="TextBox 34">
-            <a:extLst>
-              <a:ext uri="{FF2B5EF4-FFF2-40B4-BE49-F238E27FC236}">
-                <a16:creationId xmlns:a16="http://schemas.microsoft.com/office/drawing/2014/main" id="{826427E7-57D7-4706-B836-6D4485485A9B}"/>
-              </a:ext>
-            </a:extLst>
-          </p:cNvPr>
-          <p:cNvSpPr txBox="1"/>
-          <p:nvPr/>
-        </p:nvSpPr>
-        <p:spPr>
-          <a:xfrm>
-            <a:off x="6769390" y="69078"/>
-            <a:ext cx="1023037" cy="646331"/>
-          </a:xfrm>
-          <a:prstGeom prst="rect">
-            <a:avLst/>
-          </a:prstGeom>
-          <a:noFill/>
-        </p:spPr>
-        <p:txBody>
-          <a:bodyPr wrap="none" rtlCol="0">
-            <a:spAutoFit/>
-          </a:bodyPr>
-          <a:lstStyle/>
-          <a:p>
-            <a:r>
-              <a:rPr lang="en-US" dirty="0"/>
-              <a:t>Random </a:t>
-            </a:r>
-          </a:p>
-          <a:p>
-            <a:r>
-              <a:rPr lang="en-US" dirty="0"/>
-              <a:t>Attrition</a:t>
-            </a:r>
-          </a:p>
-        </p:txBody>
-      </p:sp>
-      <p:sp>
-        <p:nvSpPr>
-          <p:cNvPr id="36" name="TextBox 35">
-            <a:extLst>
-              <a:ext uri="{FF2B5EF4-FFF2-40B4-BE49-F238E27FC236}">
-                <a16:creationId xmlns:a16="http://schemas.microsoft.com/office/drawing/2014/main" id="{BE0CD08F-80FB-41AD-B1B9-CD5D70B860C9}"/>
-              </a:ext>
-            </a:extLst>
-          </p:cNvPr>
-          <p:cNvSpPr txBox="1"/>
-          <p:nvPr/>
-        </p:nvSpPr>
-        <p:spPr>
-          <a:xfrm>
-            <a:off x="4657665" y="3085054"/>
-            <a:ext cx="4060502" cy="3323987"/>
-          </a:xfrm>
-          <a:prstGeom prst="rect">
-            <a:avLst/>
-          </a:prstGeom>
-          <a:noFill/>
-        </p:spPr>
-        <p:txBody>
-          <a:bodyPr wrap="square" rtlCol="0">
-            <a:spAutoFit/>
-          </a:bodyPr>
-          <a:lstStyle/>
-          <a:p>
-            <a:pPr algn="ctr"/>
-            <a:r>
-              <a:rPr lang="en-US" sz="1400" dirty="0"/>
-              <a:t>Attrition in one group but not another</a:t>
-            </a:r>
-          </a:p>
-          <a:p>
-            <a:pPr algn="ctr"/>
-            <a:endParaRPr lang="en-US" sz="1400" dirty="0"/>
-          </a:p>
-          <a:p>
-            <a:pPr algn="ctr"/>
-            <a:endParaRPr lang="en-US" sz="1400" dirty="0"/>
-          </a:p>
-          <a:p>
-            <a:pPr algn="ctr"/>
-            <a:endParaRPr lang="en-US" sz="1400" dirty="0"/>
-          </a:p>
-          <a:p>
-            <a:pPr algn="ctr"/>
-            <a:endParaRPr lang="en-US" sz="1400" dirty="0"/>
-          </a:p>
-          <a:p>
-            <a:pPr algn="ctr"/>
-            <a:endParaRPr lang="en-US" sz="1400" dirty="0"/>
-          </a:p>
-          <a:p>
-            <a:pPr algn="ctr"/>
-            <a:r>
-              <a:rPr lang="en-US" sz="1400" dirty="0"/>
-              <a:t>Different rates of attrition</a:t>
-            </a:r>
-          </a:p>
-          <a:p>
-            <a:pPr algn="ctr"/>
-            <a:endParaRPr lang="en-US" sz="1400" dirty="0"/>
-          </a:p>
-          <a:p>
-            <a:pPr algn="ctr"/>
-            <a:endParaRPr lang="en-US" sz="1400" dirty="0"/>
-          </a:p>
-          <a:p>
-            <a:pPr algn="ctr"/>
-            <a:endParaRPr lang="en-US" sz="1400" dirty="0"/>
-          </a:p>
-          <a:p>
-            <a:pPr algn="ctr"/>
-            <a:endParaRPr lang="en-US" sz="1400" dirty="0"/>
-          </a:p>
-          <a:p>
-            <a:pPr algn="ctr"/>
-            <a:endParaRPr lang="en-US" sz="1400" dirty="0"/>
-          </a:p>
-          <a:p>
-            <a:pPr algn="ctr"/>
-            <a:r>
-              <a:rPr lang="en-US" sz="1400" dirty="0"/>
-              <a:t>Attrition from different parts of the distribution (all high performers from one group, all low performers from another)</a:t>
-            </a:r>
-          </a:p>
-        </p:txBody>
-      </p:sp>
-    </p:spTree>
-    <p:extLst>
-      <p:ext uri="{BB962C8B-B14F-4D97-AF65-F5344CB8AC3E}">
-        <p14:creationId xmlns:p14="http://schemas.microsoft.com/office/powerpoint/2010/main" val="3442120802"/>
       </p:ext>
     </p:extLst>
   </p:cSld>
